--- a/M5/Módulo 5.pptx
+++ b/M5/Módulo 5.pptx
@@ -5,7 +5,7 @@
     <p:sldMasterId id="2147483648" r:id="rId1"/>
   </p:sldMasterIdLst>
   <p:notesMasterIdLst>
-    <p:notesMasterId r:id="rId19"/>
+    <p:notesMasterId r:id="rId21"/>
   </p:notesMasterIdLst>
   <p:sldIdLst>
     <p:sldId id="256" r:id="rId2"/>
@@ -19,12 +19,14 @@
     <p:sldId id="297" r:id="rId10"/>
     <p:sldId id="289" r:id="rId11"/>
     <p:sldId id="299" r:id="rId12"/>
-    <p:sldId id="291" r:id="rId13"/>
-    <p:sldId id="292" r:id="rId14"/>
-    <p:sldId id="266" r:id="rId15"/>
-    <p:sldId id="298" r:id="rId16"/>
-    <p:sldId id="283" r:id="rId17"/>
-    <p:sldId id="287" r:id="rId18"/>
+    <p:sldId id="300" r:id="rId13"/>
+    <p:sldId id="291" r:id="rId14"/>
+    <p:sldId id="292" r:id="rId15"/>
+    <p:sldId id="301" r:id="rId16"/>
+    <p:sldId id="266" r:id="rId17"/>
+    <p:sldId id="298" r:id="rId18"/>
+    <p:sldId id="283" r:id="rId19"/>
+    <p:sldId id="287" r:id="rId20"/>
   </p:sldIdLst>
   <p:sldSz cx="9144000" cy="5143500" type="screen16x9"/>
   <p:notesSz cx="6858000" cy="9144000"/>
@@ -782,7 +784,7 @@
             <a:extLst/>
           </a:lstStyle>
           <a:p>
-            <a:endParaRPr lang="es-ES"/>
+            <a:endParaRPr lang="es-ES" dirty="0"/>
           </a:p>
         </p:txBody>
       </p:sp>
@@ -1034,7 +1036,7 @@
             <a:extLst/>
           </a:lstStyle>
           <a:p>
-            <a:endParaRPr lang="es-ES" dirty="0"/>
+            <a:endParaRPr lang="es-ES"/>
           </a:p>
         </p:txBody>
       </p:sp>
@@ -1202,7 +1204,7 @@
             <a:extLst/>
           </a:lstStyle>
           <a:p>
-            <a:endParaRPr lang="es-ES"/>
+            <a:endParaRPr lang="es-ES" dirty="0"/>
           </a:p>
         </p:txBody>
       </p:sp>
@@ -1227,6 +1229,174 @@
               <a:rPr lang="es-ES" smtClean="0"/>
               <a:pPr/>
               <a:t>17</a:t>
+            </a:fld>
+            <a:endParaRPr lang="es-ES"/>
+          </a:p>
+        </p:txBody>
+      </p:sp>
+    </p:spTree>
+  </p:cSld>
+  <p:clrMapOvr>
+    <a:masterClrMapping/>
+  </p:clrMapOvr>
+</p:notes>
+</file>
+
+<file path=ppt/notesSlides/notesSlide18.xml><?xml version="1.0" encoding="utf-8"?>
+<p:notes xmlns:a="http://schemas.openxmlformats.org/drawingml/2006/main" xmlns:r="http://schemas.openxmlformats.org/officeDocument/2006/relationships" xmlns:p="http://schemas.openxmlformats.org/presentationml/2006/main">
+  <p:cSld>
+    <p:spTree>
+      <p:nvGrpSpPr>
+        <p:cNvPr id="1" name=""/>
+        <p:cNvGrpSpPr/>
+        <p:nvPr/>
+      </p:nvGrpSpPr>
+      <p:grpSpPr>
+        <a:xfrm>
+          <a:off x="0" y="0"/>
+          <a:ext cx="0" cy="0"/>
+          <a:chOff x="0" y="0"/>
+          <a:chExt cx="0" cy="0"/>
+        </a:xfrm>
+      </p:grpSpPr>
+      <p:sp>
+        <p:nvSpPr>
+          <p:cNvPr id="2" name="Rectangle 1"/>
+          <p:cNvSpPr>
+            <a:spLocks noGrp="1" noRot="1" noChangeAspect="1"/>
+          </p:cNvSpPr>
+          <p:nvPr>
+            <p:ph type="sldImg"/>
+          </p:nvPr>
+        </p:nvSpPr>
+        <p:spPr/>
+      </p:sp>
+      <p:sp>
+        <p:nvSpPr>
+          <p:cNvPr id="3" name="Rectangle 2"/>
+          <p:cNvSpPr>
+            <a:spLocks noGrp="1"/>
+          </p:cNvSpPr>
+          <p:nvPr>
+            <p:ph type="body" idx="1"/>
+          </p:nvPr>
+        </p:nvSpPr>
+        <p:spPr/>
+        <p:txBody>
+          <a:bodyPr/>
+          <a:lstStyle>
+            <a:extLst/>
+          </a:lstStyle>
+          <a:p>
+            <a:endParaRPr lang="es-ES"/>
+          </a:p>
+        </p:txBody>
+      </p:sp>
+      <p:sp>
+        <p:nvSpPr>
+          <p:cNvPr id="4" name="Rectangle 3"/>
+          <p:cNvSpPr>
+            <a:spLocks noGrp="1"/>
+          </p:cNvSpPr>
+          <p:nvPr>
+            <p:ph type="sldNum" sz="quarter" idx="10"/>
+          </p:nvPr>
+        </p:nvSpPr>
+        <p:spPr/>
+        <p:txBody>
+          <a:bodyPr/>
+          <a:lstStyle>
+            <a:extLst/>
+          </a:lstStyle>
+          <a:p>
+            <a:fld id="{CA5D3BF3-D352-46FC-8343-31F56E6730EA}" type="slidenum">
+              <a:rPr lang="es-ES" smtClean="0"/>
+              <a:pPr/>
+              <a:t>18</a:t>
+            </a:fld>
+            <a:endParaRPr lang="es-ES"/>
+          </a:p>
+        </p:txBody>
+      </p:sp>
+    </p:spTree>
+  </p:cSld>
+  <p:clrMapOvr>
+    <a:masterClrMapping/>
+  </p:clrMapOvr>
+</p:notes>
+</file>
+
+<file path=ppt/notesSlides/notesSlide19.xml><?xml version="1.0" encoding="utf-8"?>
+<p:notes xmlns:a="http://schemas.openxmlformats.org/drawingml/2006/main" xmlns:r="http://schemas.openxmlformats.org/officeDocument/2006/relationships" xmlns:p="http://schemas.openxmlformats.org/presentationml/2006/main">
+  <p:cSld>
+    <p:spTree>
+      <p:nvGrpSpPr>
+        <p:cNvPr id="1" name=""/>
+        <p:cNvGrpSpPr/>
+        <p:nvPr/>
+      </p:nvGrpSpPr>
+      <p:grpSpPr>
+        <a:xfrm>
+          <a:off x="0" y="0"/>
+          <a:ext cx="0" cy="0"/>
+          <a:chOff x="0" y="0"/>
+          <a:chExt cx="0" cy="0"/>
+        </a:xfrm>
+      </p:grpSpPr>
+      <p:sp>
+        <p:nvSpPr>
+          <p:cNvPr id="2" name="Rectangle 1"/>
+          <p:cNvSpPr>
+            <a:spLocks noGrp="1" noRot="1" noChangeAspect="1"/>
+          </p:cNvSpPr>
+          <p:nvPr>
+            <p:ph type="sldImg"/>
+          </p:nvPr>
+        </p:nvSpPr>
+        <p:spPr/>
+      </p:sp>
+      <p:sp>
+        <p:nvSpPr>
+          <p:cNvPr id="3" name="Rectangle 2"/>
+          <p:cNvSpPr>
+            <a:spLocks noGrp="1"/>
+          </p:cNvSpPr>
+          <p:nvPr>
+            <p:ph type="body" idx="1"/>
+          </p:nvPr>
+        </p:nvSpPr>
+        <p:spPr/>
+        <p:txBody>
+          <a:bodyPr/>
+          <a:lstStyle>
+            <a:extLst/>
+          </a:lstStyle>
+          <a:p>
+            <a:endParaRPr lang="es-ES"/>
+          </a:p>
+        </p:txBody>
+      </p:sp>
+      <p:sp>
+        <p:nvSpPr>
+          <p:cNvPr id="4" name="Rectangle 3"/>
+          <p:cNvSpPr>
+            <a:spLocks noGrp="1"/>
+          </p:cNvSpPr>
+          <p:nvPr>
+            <p:ph type="sldNum" sz="quarter" idx="10"/>
+          </p:nvPr>
+        </p:nvSpPr>
+        <p:spPr/>
+        <p:txBody>
+          <a:bodyPr/>
+          <a:lstStyle>
+            <a:extLst/>
+          </a:lstStyle>
+          <a:p>
+            <a:fld id="{CA5D3BF3-D352-46FC-8343-31F56E6730EA}" type="slidenum">
+              <a:rPr lang="es-ES" smtClean="0"/>
+              <a:pPr/>
+              <a:t>19</a:t>
             </a:fld>
             <a:endParaRPr lang="es-ES"/>
           </a:p>
@@ -2184,7 +2354,7 @@
                 </a:solidFill>
               </a:rPr>
               <a:pPr algn="ctr"/>
-              <a:t>22/12/2015</a:t>
+              <a:t>08/01/2016</a:t>
             </a:fld>
             <a:endParaRPr kumimoji="0" lang="es-ES" sz="2000">
               <a:solidFill>
@@ -5578,6 +5748,47 @@
           </a:p>
         </p:txBody>
       </p:sp>
+      <p:pic>
+        <p:nvPicPr>
+          <p:cNvPr id="1026" name="Picture 2" descr="http://www.nhaustralia.com.au/blog/authorimages/16/930/angular-basics-1.jpg"/>
+          <p:cNvPicPr>
+            <a:picLocks noChangeAspect="1" noChangeArrowheads="1"/>
+          </p:cNvPicPr>
+          <p:nvPr/>
+        </p:nvPicPr>
+        <p:blipFill>
+          <a:blip r:embed="rId3">
+            <a:extLst>
+              <a:ext uri="{28A0092B-C50C-407E-A947-70E740481C1C}">
+                <a14:useLocalDpi xmlns:a14="http://schemas.microsoft.com/office/drawing/2010/main" val="0"/>
+              </a:ext>
+            </a:extLst>
+          </a:blip>
+          <a:srcRect/>
+          <a:stretch>
+            <a:fillRect/>
+          </a:stretch>
+        </p:blipFill>
+        <p:spPr bwMode="auto">
+          <a:xfrm>
+            <a:off x="533400" y="1733550"/>
+            <a:ext cx="8114368" cy="2819400"/>
+          </a:xfrm>
+          <a:prstGeom prst="rect">
+            <a:avLst/>
+          </a:prstGeom>
+          <a:noFill/>
+          <a:extLst>
+            <a:ext uri="{909E8E84-426E-40DD-AFC4-6F175D3DCCD1}">
+              <a14:hiddenFill xmlns:a14="http://schemas.microsoft.com/office/drawing/2010/main">
+                <a:solidFill>
+                  <a:srgbClr val="FFFFFF"/>
+                </a:solidFill>
+              </a14:hiddenFill>
+            </a:ext>
+          </a:extLst>
+        </p:spPr>
+      </p:pic>
     </p:spTree>
     <p:extLst>
       <p:ext uri="{BB962C8B-B14F-4D97-AF65-F5344CB8AC3E}">
@@ -5641,30 +5852,42 @@
           <a:p>
             <a:r>
               <a:rPr lang="es-ES" sz="3800" b="1" dirty="0" smtClean="0"/>
-              <a:t>Promises </a:t>
+              <a:t>Dependencies </a:t>
             </a:r>
             <a:r>
               <a:rPr lang="es-ES" sz="3800" dirty="0" smtClean="0"/>
-              <a:t>– En la dulce espera</a:t>
-            </a:r>
-            <a:endParaRPr lang="es-ES" dirty="0"/>
-          </a:p>
-        </p:txBody>
-      </p:sp>
-      <p:sp>
-        <p:nvSpPr>
-          <p:cNvPr id="8" name="5 Marcador de contenido"/>
-          <p:cNvSpPr>
-            <a:spLocks noGrp="1"/>
-          </p:cNvSpPr>
-          <p:nvPr>
-            <p:ph sz="quarter" idx="14"/>
+              <a:t>&amp;</a:t>
+            </a:r>
+            <a:r>
+              <a:rPr lang="es-ES" sz="3800" b="1" dirty="0" smtClean="0"/>
+              <a:t> Services </a:t>
+            </a:r>
+            <a:r>
+              <a:rPr lang="es-ES" sz="3800" dirty="0" smtClean="0"/>
+              <a:t>&amp;</a:t>
+            </a:r>
+            <a:r>
+              <a:rPr lang="es-ES" sz="3800" b="1" dirty="0" smtClean="0"/>
+              <a:t> Libs</a:t>
+            </a:r>
+            <a:endParaRPr lang="es-ES" b="1" dirty="0"/>
+          </a:p>
+        </p:txBody>
+      </p:sp>
+      <p:sp>
+        <p:nvSpPr>
+          <p:cNvPr id="3" name="2 Marcador de contenido"/>
+          <p:cNvSpPr>
+            <a:spLocks noGrp="1"/>
+          </p:cNvSpPr>
+          <p:nvPr>
+            <p:ph sz="quarter" idx="13"/>
           </p:nvPr>
         </p:nvSpPr>
         <p:spPr>
           <a:xfrm>
-            <a:off x="609600" y="1352549"/>
-            <a:ext cx="3886200" cy="3657601"/>
+            <a:off x="457200" y="1352550"/>
+            <a:ext cx="4648200" cy="3733800"/>
           </a:xfrm>
         </p:spPr>
         <p:txBody>
@@ -5675,20 +5898,11 @@
           <a:p>
             <a:endParaRPr lang="es-ES" dirty="0" smtClean="0"/>
           </a:p>
-          <a:p>
-            <a:endParaRPr lang="en-US" dirty="0" smtClean="0"/>
-          </a:p>
-          <a:p>
-            <a:endParaRPr lang="en-US" dirty="0" smtClean="0"/>
-          </a:p>
-          <a:p>
-            <a:endParaRPr lang="en-US" dirty="0"/>
-          </a:p>
         </p:txBody>
       </p:sp>
       <p:pic>
         <p:nvPicPr>
-          <p:cNvPr id="4098" name="Picture 2" descr="https://elabismodenull.files.wordpress.com/2015/10/promises.png?w=606&amp;h=211"/>
+          <p:cNvPr id="2050" name="Picture 2"/>
           <p:cNvPicPr>
             <a:picLocks noChangeAspect="1" noChangeArrowheads="1"/>
           </p:cNvPicPr>
@@ -5709,157 +5923,8 @@
         </p:blipFill>
         <p:spPr bwMode="auto">
           <a:xfrm>
-            <a:off x="990600" y="2038350"/>
-            <a:ext cx="7086600" cy="2362201"/>
-          </a:xfrm>
-          <a:prstGeom prst="rect">
-            <a:avLst/>
-          </a:prstGeom>
-          <a:noFill/>
-          <a:extLst>
-            <a:ext uri="{909E8E84-426E-40DD-AFC4-6F175D3DCCD1}">
-              <a14:hiddenFill xmlns:a14="http://schemas.microsoft.com/office/drawing/2010/main">
-                <a:solidFill>
-                  <a:srgbClr val="FFFFFF"/>
-                </a:solidFill>
-              </a14:hiddenFill>
-            </a:ext>
-          </a:extLst>
-        </p:spPr>
-      </p:pic>
-    </p:spTree>
-    <p:extLst>
-      <p:ext uri="{BB962C8B-B14F-4D97-AF65-F5344CB8AC3E}">
-        <p14:creationId xmlns:p14="http://schemas.microsoft.com/office/powerpoint/2010/main" val="1184421922"/>
-      </p:ext>
-    </p:extLst>
-  </p:cSld>
-  <p:clrMapOvr>
-    <a:masterClrMapping/>
-  </p:clrMapOvr>
-  <p:timing>
-    <p:tnLst>
-      <p:par>
-        <p:cTn id="1" dur="indefinite" restart="never" nodeType="tmRoot"/>
-      </p:par>
-    </p:tnLst>
-  </p:timing>
-</p:sld>
-</file>
-
-<file path=ppt/slides/slide13.xml><?xml version="1.0" encoding="utf-8"?>
-<p:sld xmlns:a="http://schemas.openxmlformats.org/drawingml/2006/main" xmlns:r="http://schemas.openxmlformats.org/officeDocument/2006/relationships" xmlns:p="http://schemas.openxmlformats.org/presentationml/2006/main">
-  <p:cSld>
-    <p:spTree>
-      <p:nvGrpSpPr>
-        <p:cNvPr id="1" name=""/>
-        <p:cNvGrpSpPr/>
-        <p:nvPr/>
-      </p:nvGrpSpPr>
-      <p:grpSpPr>
-        <a:xfrm>
-          <a:off x="0" y="0"/>
-          <a:ext cx="0" cy="0"/>
-          <a:chOff x="0" y="0"/>
-          <a:chExt cx="0" cy="0"/>
-        </a:xfrm>
-      </p:grpSpPr>
-      <p:sp>
-        <p:nvSpPr>
-          <p:cNvPr id="2" name="Rectangle 1"/>
-          <p:cNvSpPr>
-            <a:spLocks noGrp="1"/>
-          </p:cNvSpPr>
-          <p:nvPr>
-            <p:ph type="title"/>
-          </p:nvPr>
-        </p:nvSpPr>
-        <p:spPr>
-          <a:xfrm>
-            <a:off x="609600" y="118110"/>
-            <a:ext cx="8458200" cy="1005840"/>
-          </a:xfrm>
-        </p:spPr>
-        <p:txBody>
-          <a:bodyPr>
-            <a:normAutofit/>
-          </a:bodyPr>
-          <a:lstStyle>
-            <a:extLst/>
-          </a:lstStyle>
-          <a:p>
-            <a:r>
-              <a:rPr lang="es-ES" sz="3800" b="1" dirty="0" smtClean="0"/>
-              <a:t>Promises </a:t>
-            </a:r>
-            <a:r>
-              <a:rPr lang="es-ES" sz="3800" dirty="0" smtClean="0"/>
-              <a:t>– Secuencia de tiempo</a:t>
-            </a:r>
-            <a:endParaRPr lang="es-ES" dirty="0"/>
-          </a:p>
-        </p:txBody>
-      </p:sp>
-      <p:sp>
-        <p:nvSpPr>
-          <p:cNvPr id="8" name="5 Marcador de contenido"/>
-          <p:cNvSpPr>
-            <a:spLocks noGrp="1"/>
-          </p:cNvSpPr>
-          <p:nvPr>
-            <p:ph sz="quarter" idx="14"/>
-          </p:nvPr>
-        </p:nvSpPr>
-        <p:spPr>
-          <a:xfrm>
-            <a:off x="609600" y="1352549"/>
-            <a:ext cx="3886200" cy="3657601"/>
-          </a:xfrm>
-        </p:spPr>
-        <p:txBody>
-          <a:bodyPr>
-            <a:normAutofit/>
-          </a:bodyPr>
-          <a:lstStyle/>
-          <a:p>
-            <a:endParaRPr lang="es-ES" dirty="0" smtClean="0"/>
-          </a:p>
-          <a:p>
-            <a:endParaRPr lang="en-US" dirty="0" smtClean="0"/>
-          </a:p>
-          <a:p>
-            <a:endParaRPr lang="en-US" dirty="0" smtClean="0"/>
-          </a:p>
-          <a:p>
-            <a:endParaRPr lang="en-US" dirty="0"/>
-          </a:p>
-        </p:txBody>
-      </p:sp>
-      <p:pic>
-        <p:nvPicPr>
-          <p:cNvPr id="5123" name="Picture 3"/>
-          <p:cNvPicPr>
-            <a:picLocks noChangeAspect="1" noChangeArrowheads="1"/>
-          </p:cNvPicPr>
-          <p:nvPr/>
-        </p:nvPicPr>
-        <p:blipFill>
-          <a:blip r:embed="rId3">
-            <a:extLst>
-              <a:ext uri="{28A0092B-C50C-407E-A947-70E740481C1C}">
-                <a14:useLocalDpi xmlns:a14="http://schemas.microsoft.com/office/drawing/2010/main" val="0"/>
-              </a:ext>
-            </a:extLst>
-          </a:blip>
-          <a:srcRect/>
-          <a:stretch>
-            <a:fillRect/>
-          </a:stretch>
-        </p:blipFill>
-        <p:spPr bwMode="auto">
-          <a:xfrm>
-            <a:off x="685800" y="1581150"/>
-            <a:ext cx="3838575" cy="1638300"/>
+            <a:off x="2362200" y="1428750"/>
+            <a:ext cx="4267200" cy="2664586"/>
           </a:xfrm>
           <a:prstGeom prst="rect">
             <a:avLst/>
@@ -5901,7 +5966,7 @@
       </p:pic>
       <p:pic>
         <p:nvPicPr>
-          <p:cNvPr id="5124" name="Picture 4"/>
+          <p:cNvPr id="2051" name="Picture 3"/>
           <p:cNvPicPr>
             <a:picLocks noChangeAspect="1" noChangeArrowheads="1"/>
           </p:cNvPicPr>
@@ -5922,8 +5987,8 @@
         </p:blipFill>
         <p:spPr bwMode="auto">
           <a:xfrm>
-            <a:off x="3609975" y="3257550"/>
-            <a:ext cx="4962525" cy="1524000"/>
+            <a:off x="685800" y="4174595"/>
+            <a:ext cx="7696200" cy="959380"/>
           </a:xfrm>
           <a:prstGeom prst="rect">
             <a:avLst/>
@@ -5966,7 +6031,156 @@
     </p:spTree>
     <p:extLst>
       <p:ext uri="{BB962C8B-B14F-4D97-AF65-F5344CB8AC3E}">
-        <p14:creationId xmlns:p14="http://schemas.microsoft.com/office/powerpoint/2010/main" val="3224392768"/>
+        <p14:creationId xmlns:p14="http://schemas.microsoft.com/office/powerpoint/2010/main" val="3010668788"/>
+      </p:ext>
+    </p:extLst>
+  </p:cSld>
+  <p:clrMapOvr>
+    <a:masterClrMapping/>
+  </p:clrMapOvr>
+  <p:timing>
+    <p:tnLst>
+      <p:par>
+        <p:cTn id="1" dur="indefinite" restart="never" nodeType="tmRoot"/>
+      </p:par>
+    </p:tnLst>
+  </p:timing>
+</p:sld>
+</file>
+
+<file path=ppt/slides/slide13.xml><?xml version="1.0" encoding="utf-8"?>
+<p:sld xmlns:a="http://schemas.openxmlformats.org/drawingml/2006/main" xmlns:r="http://schemas.openxmlformats.org/officeDocument/2006/relationships" xmlns:p="http://schemas.openxmlformats.org/presentationml/2006/main">
+  <p:cSld>
+    <p:spTree>
+      <p:nvGrpSpPr>
+        <p:cNvPr id="1" name=""/>
+        <p:cNvGrpSpPr/>
+        <p:nvPr/>
+      </p:nvGrpSpPr>
+      <p:grpSpPr>
+        <a:xfrm>
+          <a:off x="0" y="0"/>
+          <a:ext cx="0" cy="0"/>
+          <a:chOff x="0" y="0"/>
+          <a:chExt cx="0" cy="0"/>
+        </a:xfrm>
+      </p:grpSpPr>
+      <p:sp>
+        <p:nvSpPr>
+          <p:cNvPr id="2" name="Rectangle 1"/>
+          <p:cNvSpPr>
+            <a:spLocks noGrp="1"/>
+          </p:cNvSpPr>
+          <p:nvPr>
+            <p:ph type="title"/>
+          </p:nvPr>
+        </p:nvSpPr>
+        <p:spPr>
+          <a:xfrm>
+            <a:off x="609600" y="118110"/>
+            <a:ext cx="8458200" cy="1005840"/>
+          </a:xfrm>
+        </p:spPr>
+        <p:txBody>
+          <a:bodyPr>
+            <a:normAutofit/>
+          </a:bodyPr>
+          <a:lstStyle>
+            <a:extLst/>
+          </a:lstStyle>
+          <a:p>
+            <a:r>
+              <a:rPr lang="es-ES" sz="3800" b="1" dirty="0" smtClean="0"/>
+              <a:t>Promises </a:t>
+            </a:r>
+            <a:r>
+              <a:rPr lang="es-ES" sz="3800" dirty="0" smtClean="0"/>
+              <a:t>– En la dulce espera</a:t>
+            </a:r>
+            <a:endParaRPr lang="es-ES" dirty="0"/>
+          </a:p>
+        </p:txBody>
+      </p:sp>
+      <p:sp>
+        <p:nvSpPr>
+          <p:cNvPr id="8" name="5 Marcador de contenido"/>
+          <p:cNvSpPr>
+            <a:spLocks noGrp="1"/>
+          </p:cNvSpPr>
+          <p:nvPr>
+            <p:ph sz="quarter" idx="14"/>
+          </p:nvPr>
+        </p:nvSpPr>
+        <p:spPr>
+          <a:xfrm>
+            <a:off x="609600" y="1352549"/>
+            <a:ext cx="3886200" cy="3657601"/>
+          </a:xfrm>
+        </p:spPr>
+        <p:txBody>
+          <a:bodyPr>
+            <a:normAutofit/>
+          </a:bodyPr>
+          <a:lstStyle/>
+          <a:p>
+            <a:endParaRPr lang="es-ES" dirty="0" smtClean="0"/>
+          </a:p>
+          <a:p>
+            <a:endParaRPr lang="en-US" dirty="0" smtClean="0"/>
+          </a:p>
+          <a:p>
+            <a:endParaRPr lang="en-US" dirty="0" smtClean="0"/>
+          </a:p>
+          <a:p>
+            <a:endParaRPr lang="en-US" dirty="0"/>
+          </a:p>
+        </p:txBody>
+      </p:sp>
+      <p:pic>
+        <p:nvPicPr>
+          <p:cNvPr id="4098" name="Picture 2" descr="https://elabismodenull.files.wordpress.com/2015/10/promises.png?w=606&amp;h=211"/>
+          <p:cNvPicPr>
+            <a:picLocks noChangeAspect="1" noChangeArrowheads="1"/>
+          </p:cNvPicPr>
+          <p:nvPr/>
+        </p:nvPicPr>
+        <p:blipFill>
+          <a:blip r:embed="rId3">
+            <a:extLst>
+              <a:ext uri="{28A0092B-C50C-407E-A947-70E740481C1C}">
+                <a14:useLocalDpi xmlns:a14="http://schemas.microsoft.com/office/drawing/2010/main" val="0"/>
+              </a:ext>
+            </a:extLst>
+          </a:blip>
+          <a:srcRect/>
+          <a:stretch>
+            <a:fillRect/>
+          </a:stretch>
+        </p:blipFill>
+        <p:spPr bwMode="auto">
+          <a:xfrm>
+            <a:off x="990600" y="2038350"/>
+            <a:ext cx="7086600" cy="2362201"/>
+          </a:xfrm>
+          <a:prstGeom prst="rect">
+            <a:avLst/>
+          </a:prstGeom>
+          <a:noFill/>
+          <a:extLst>
+            <a:ext uri="{909E8E84-426E-40DD-AFC4-6F175D3DCCD1}">
+              <a14:hiddenFill xmlns:a14="http://schemas.microsoft.com/office/drawing/2010/main">
+                <a:solidFill>
+                  <a:srgbClr val="FFFFFF"/>
+                </a:solidFill>
+              </a14:hiddenFill>
+            </a:ext>
+          </a:extLst>
+        </p:spPr>
+      </p:pic>
+    </p:spTree>
+    <p:extLst>
+      <p:ext uri="{BB962C8B-B14F-4D97-AF65-F5344CB8AC3E}">
+        <p14:creationId xmlns:p14="http://schemas.microsoft.com/office/powerpoint/2010/main" val="1184421922"/>
       </p:ext>
     </p:extLst>
   </p:cSld>
@@ -6010,7 +6224,12 @@
             <p:ph type="title"/>
           </p:nvPr>
         </p:nvSpPr>
-        <p:spPr/>
+        <p:spPr>
+          <a:xfrm>
+            <a:off x="609600" y="118110"/>
+            <a:ext cx="8458200" cy="1005840"/>
+          </a:xfrm>
+        </p:spPr>
         <p:txBody>
           <a:bodyPr>
             <a:normAutofit/>
@@ -6021,19 +6240,54 @@
           <a:p>
             <a:r>
               <a:rPr lang="es-ES" sz="3800" b="1" dirty="0" smtClean="0"/>
-              <a:t>RESTangular</a:t>
+              <a:t>Promises </a:t>
             </a:r>
             <a:r>
               <a:rPr lang="es-ES" sz="3800" dirty="0" smtClean="0"/>
-              <a:t> – Made in Argentina</a:t>
+              <a:t>– Secuencia de tiempo</a:t>
             </a:r>
             <a:endParaRPr lang="es-ES" dirty="0"/>
+          </a:p>
+        </p:txBody>
+      </p:sp>
+      <p:sp>
+        <p:nvSpPr>
+          <p:cNvPr id="8" name="5 Marcador de contenido"/>
+          <p:cNvSpPr>
+            <a:spLocks noGrp="1"/>
+          </p:cNvSpPr>
+          <p:nvPr>
+            <p:ph sz="quarter" idx="14"/>
+          </p:nvPr>
+        </p:nvSpPr>
+        <p:spPr>
+          <a:xfrm>
+            <a:off x="609600" y="1352549"/>
+            <a:ext cx="3886200" cy="3657601"/>
+          </a:xfrm>
+        </p:spPr>
+        <p:txBody>
+          <a:bodyPr>
+            <a:normAutofit/>
+          </a:bodyPr>
+          <a:lstStyle/>
+          <a:p>
+            <a:endParaRPr lang="es-ES" dirty="0" smtClean="0"/>
+          </a:p>
+          <a:p>
+            <a:endParaRPr lang="en-US" dirty="0" smtClean="0"/>
+          </a:p>
+          <a:p>
+            <a:endParaRPr lang="en-US" dirty="0" smtClean="0"/>
+          </a:p>
+          <a:p>
+            <a:endParaRPr lang="en-US" dirty="0"/>
           </a:p>
         </p:txBody>
       </p:sp>
       <p:pic>
         <p:nvPicPr>
-          <p:cNvPr id="4" name="Picture 1"/>
+          <p:cNvPr id="5123" name="Picture 3"/>
           <p:cNvPicPr>
             <a:picLocks noChangeAspect="1" noChangeArrowheads="1"/>
           </p:cNvPicPr>
@@ -6054,8 +6308,8 @@
         </p:blipFill>
         <p:spPr bwMode="auto">
           <a:xfrm>
-            <a:off x="1219200" y="2114550"/>
-            <a:ext cx="7010401" cy="2236527"/>
+            <a:off x="685800" y="1581150"/>
+            <a:ext cx="3838575" cy="1638300"/>
           </a:xfrm>
           <a:prstGeom prst="rect">
             <a:avLst/>
@@ -6095,94 +6349,16 @@
           </a:extLst>
         </p:spPr>
       </p:pic>
-      <p:sp>
-        <p:nvSpPr>
-          <p:cNvPr id="5" name="AutoShape 4" descr="data:image/jpeg;base64,/9j/4AAQSkZJRgABAQAAAQABAAD/2wCEAAkGBwgHBhMIBwgVFQkXGRcbGRUYDR8eHRsiHxsfHyAgHx0eKCkoIiYxHR0oLT0nJzUrLzEvHyUzPDYxNyg5Oi0BCgoKDg0OGxAQGiskICUvNDQsLi01NywwNzU2MCw3MjI0Lis3NTQxNC43MjI3NC0sNDc1LDQ3NTc1MS8sLCw0LP/AABEIALEBHAMBEQACEQEDEQH/xAAaAAEAAwEBAQAAAAAAAAAAAAAABAUGAQID/8QANxAAAQMCAwcCBAQFBQAAAAAAAAECAwQRBRbREiExU1SSokFRFCJhgRNxkbEjMjNScgaDoeHw/8QAGgEBAAMBAQEAAAAAAAAAAAAAAAMEBQIBBv/EADMRAQABBAEDAgQFAwMFAAAAAAABAgMUUREhMUESYXGBkaEEscHw8RMi4VKi0TJCcoKS/9oADAMBAAIRAxEAPwC9NxigAAAAAAAAAAAAAAAAAAAAAAAAAAAAAAAAAAAAAAAAAAAAAAAAAAAAAAAAAAAAAAAAAAAAAAAAAAAAAAAAAAAAAAAAAAAAAAAAAAAAAAAAAAAAAAAAAAAAAAAAAAAAAAAAAAAAAAAAAAAAAAAAAAAAAAAAAAAAAAAAAAAAAAAAAAAAAAAAAAAAAAAAAAAAAAAAAAAAAAAAAAAAAAAAAAAAAAAAAAAAAAAAAAAAAAAAAAAAAAAAAAAAAAAAAAAAAAAAAAAAAAAAAAAAAAAAAAAAAAAAAAAAAAAAAAAAbXKdBzZO5NDNzK9Q0MSjcmU6DmydyaDMr1BiUbkynQc2TuTQZleoMSjcmU6DmydyaDMr1BiUbkynQc2TuTQZleoMSjcmU6DmydyaDMr1BiUbkynQc2TuTQZleoMSjcmU6DmydyaDMr1BiUbkynQc2TuTQZleoMSjcmU6DmydyaDMr1BiUbkynQc2TuTQZleoMSjcmU6DmydyaDMr1BiUbkynQc2TuTQZleoMSjcmU6DmydyaDMr1BiUbkynQc2TuTQZleoMSjcmU6DmydyaDMr1BiUbkynQc2TuTQZleoMSjcuL/AKUw9OMz+5NBmV+xiUe7uU6DmydyaDMr1BiUbkynQc2TuTQZleoMSjcmU6DmydyaDMr1BiUbkynQc2TuTQZleoMSjcmU6DmydyaDMr1BiUbkynQc2TuTQZleoMSjcmU6DmydyaDMr1BiUbkynQc2TuTQZleoMSjcmU6DmydyaDMr1BiUbkynQc2TuTQZleoMSjcmU6DmydyaDMr1BiUbkynQc2TuTQZleoMSjcmU6DmydyaDMr1BiUbkynQc2TuTQZleoMSjcmU6DmydyaDMr1BiUbkynQc2TuTQZleoMSjcmU6DmydyaDMr1BiUbkynQc2TuTQZleoMSjcr8qrQAAAAAAAAAAAAAAAA8OljZIkb3oj3Xsl96242POYe8SpH4w9WR1K/LsSbE8f9u1uR35Itlv6oqlab8d9TxVGv3+SeLPeNxzEorZXMd8JI67mViLe/FHq56fvb7EdFzrNM+K/z6/q7mn/ujzT+XR2Gsmf+KyGRfiJqlzGu42Y1G3VL7rI1F+6/UUXqpmqN1cR8I7/Tr8yq3Ecc9op5n4rimxOOZZJHIjaVjtlJFenzKm5bJ7X3X9VLNF2KuZ8R05QVW5jiPMp5KjAAAAAAAAAAAAAAAAAAAAAAAAAAAAAAAAAA8ySMijWSRyIxEVVVV4IgmeCI5Z/FJ3zQOkljSXDlVHMliem3Fu4/Wy77p6LvKd6ufTzMc07p7x7/AMfRZt08TxE8VantKjxLEEa9r6xUVXNcx0jU3SsXg5PZzV4pxun0KF27zMTX15iYmY7VUz5j3p8x8eFq3b6cU754nxOvhKlTGp3K5Y0c6RFjXaRqr8zEVv8A2v5FafxXon+6evT7cxz8+krH9CJj6/dIw3GEV7WRS7GyzYVy3uy/zPdbjtKq2T1t+qd2rvERxPHFPHOvNU+8zPER7uLlrvzHPXt+UfBe0VRD8jWxK57P6FKm+y8yVeCOut/pct2rkU8UxHWP+mjz8atT569veVeuiZ5nn41fpH76tNQVLld8NV1UTq1EurWJayfkqqvH13fkaVFXiqY59lKunzETx7ppI4AAAAAAAAAAAAAAAAAAAAAAAAAAAAAAAAB8KxZ206rSqxJt1tu+zx3ott6bvX09lOaueOjqnjnqy9ayWKVan4JrJfV9NVXd92qibX6GfdprifV6OPeievziYiJ+65RNMx6fVz7VR+sdmSdF8biS07lX4f8AmcisRt+Cb2oqol/p6exhfjb026Z48zrjrvjtz7w0bUdOf8/f/lNjr4UcsMca2busicPt6GTNmriKpnumRqv8LEKR1VAlpmXs5PW29U/96k1mqqxcimZ6T++XkxzCywN88tKifgP+F/tZI2NHf5OX5nfru+h9HY9c08emrjVPFP3mfVP2UL3pie8c+/X7doavBm1ESoyGlghpP7Gu2nr9bpu/c07EVRHHpimNR3/f1+KjdmmfMzO12WUAAAAAAAAAAAAAAAAAAAAAAAAAAAAAAAAAImJwsmpVR9Ek1lRdhbf8bW44riJjrHLuieJ78MtiFM2nbeempYnLwi2XPd+jeP7GVdtU0zzVTbp9uPVM/Tj8pXaK5ntNU+/PEMyiuoMXvUxoxr0sqfho23BUu1OH39zG/H2app7dY68ccfaO3z6r9qqJjp/z90+sSS6LE39P34GTbmPKZ4xSdtPROan9RyKjU91U7/D25ruQ8lzBKeGKFJHLGnpaSn+Rf91qqt/otj6K3RTxE1en/wBqYmP/AKjt8/op3ap54jn5T1+ktfhlFaoZJJgsCM4pLHMjrbrotlRN35Kq7zWsWop4n+nTHw/iFC5XzEx65n2n+WgLisAAAAAAAAAAAAAAAAAAAAAAAAAAAAAAAADzIxJI1YqqiKipdHWX7KnASRPDOVVIlLtrHEtNRt/nn2kWST2Rrrq77rvv6e9G5b454/tjzV5n59/n30t0V88c/wB0+I8Qz1fhkcjVT4fZerVdsKt1Yzir5F9XKnBvpf3459dqO3HHnjUf6qp8zqPH1W6Lk75/WdR7bVcNDXxysp4KlyI5GblW6NV91am+9vlsv6lOr8FRXVHNPWePvzx9oT/1uImdc/Z2kw50jVqZ3udKiI+9/m2NrZcrV9FRyXtwJLVmmmjmI44jnprtMx70z1+Dyu5PPHy+fj6tTRU88FX+FE9jalyXS7P4VQ3jeycHW4/r6rfSt266a+ImIn/bVG+PE7/WO1GuqmaeZ54+8f4XuDUcULfxm0awyrdHRo9djcvFGp8u/ii2RbKXrNuKY59PHtHZWu1zM8c8+/lZkyIAAAAAAAAAAAAAAAAAAAAAAAAAAAAAAAAAD4VFLDUPZJKzacxbtRV3Ivvb3/Y5mmJ7uoqmOyknw6dyJTzWWoqJEdK5qLZGM37KKv2al/dSrVY55ie9U/3fCPH6fVYi7HeO1MdPijRRpI5Z1TetbZF90aqtRE/LehHbo55qnvNf5dId1VccRH+n83Iad0EKqke0+nmc1ybN9qN6Iq7v8XotvoLdr0x701T9J6/rH0Kq+Z/8oj6x/C2pcIbGx9LN81Gjmuiu5dpi8VRF4pZeC8d6oWbdiKI9Pjx7fvwgquzM+rz591sToQAAAAAAAAAAAAAAAAAqsxYV1Xg7QnxrmkORb2ZiwrqvB2gxrmjIt7MxYV1Xg7QY1zRkW9mYsK6rwdoMa5oyLezMWFdV4O0GNc0ZFvZmLCuq8HaDGuaMi3szFhXVeDtBjXNGRb2ZiwrqvB2gxrmjIt7MxYV1Xg7QY1zRkW9mYsK6rwdoMa5oyLezMWFdV4O0GNc0ZFvZmLCuq8HaDGuaMi3szFhXVeDtBjXNGRb2ZiwrqvB2gxrmjIt7MxYV1Xg7QY1zRkW9mYsK6rwdoMa5oyLezMWFdV4O0GNc0ZFvb5rjeCq1GrKmy1bon4a7l903HmLc0ZNG3tuP4Q1VVtQiKq3X+Gu/09vZD3GuaMm3t3MWFdV4O0GNc0ZFvZmLCuq8HaDGuaMi3szFhXVeDtBjXNGRb2ZiwrqvB2gxrmjIt7MxYV1Xg7QY1zRkW9mYsK6rwdoMa5oyLezMWFdV4O0GNc0ZFvZmLCuq8HaDGuaMi3szFhXVeDtBjXNGRb2ZiwrqvB2gxrmjIt7MxYV1Xg7QY1zRkW9mYsK6rwdoMa5oyLezMWFdV4O0GNc0ZFvZmLCuq8HaDGuaMi3szFhXVeDtBjXNGRb2ZiwrqvB2gxrmjIt7MxYV1Xg7QY1zRkW9sAarLAAAAAAAAAAAAAAAAAAAAAAAAAAAAAAAAAAAAAAAAAAAAAAAAAAAAAAAAAAAAAAAAAAAAAAAAAAAAAAAAAAAAAAAAAAAAAAAAAAAAAAAAAAAAAAAAAAAAAAAAAAAAAAAAAAAAAAAAAAAAAAAAAAAAAAAAAAAAAAAAAAAAAAAAAAAAAAAAAAAAAAAAAAAAAAAAAAAAAAAAAAAAAAAAAAAAAAAAAAAAAAAAAAAAAAAAAAAAAAAAAAAAAAAAAAAAAAAAAAAAAAAAAAAAAAAAAAAAAAAAAAAAAAAAAAAAAAAAAAAAAAAAAAAAAAAAAAAAAAAAAAAAAAAAAAAAAAA/9k="/>
-          <p:cNvSpPr>
-            <a:spLocks noChangeAspect="1" noChangeArrowheads="1"/>
-          </p:cNvSpPr>
-          <p:nvPr/>
-        </p:nvSpPr>
-        <p:spPr bwMode="auto">
-          <a:xfrm>
-            <a:off x="155575" y="-144463"/>
-            <a:ext cx="304800" cy="304801"/>
-          </a:xfrm>
-          <a:prstGeom prst="rect">
-            <a:avLst/>
-          </a:prstGeom>
-          <a:noFill/>
-          <a:extLst>
-            <a:ext uri="{909E8E84-426E-40DD-AFC4-6F175D3DCCD1}">
-              <a14:hiddenFill xmlns:a14="http://schemas.microsoft.com/office/drawing/2010/main">
-                <a:solidFill>
-                  <a:srgbClr val="FFFFFF"/>
-                </a:solidFill>
-              </a14:hiddenFill>
-            </a:ext>
-          </a:extLst>
-        </p:spPr>
-        <p:txBody>
-          <a:bodyPr vert="horz" wrap="square" lIns="91440" tIns="45720" rIns="91440" bIns="45720" numCol="1" anchor="t" anchorCtr="0" compatLnSpc="1">
-            <a:prstTxWarp prst="textNoShape">
-              <a:avLst/>
-            </a:prstTxWarp>
-          </a:bodyPr>
-          <a:lstStyle/>
-          <a:p>
-            <a:endParaRPr lang="en-US"/>
-          </a:p>
-        </p:txBody>
-      </p:sp>
-      <p:sp>
-        <p:nvSpPr>
-          <p:cNvPr id="6" name="AutoShape 6" descr="data:image/jpeg;base64,/9j/4AAQSkZJRgABAQAAAQABAAD/2wCEAAkGBwgHBhMIBwgVFQkXGRcbGRUYDR8eHRsiHxsfHyAgHx0eKCkoIiYxHR0oLT0nJzUrLzEvHyUzPDYxNyg5Oi0BCgoKDg0OGxAQGiskICUvNDQsLi01NywwNzU2MCw3MjI0Lis3NTQxNC43MjI3NC0sNDc1LDQ3NTc1MS8sLCw0LP/AABEIALEBHAMBEQACEQEDEQH/xAAaAAEAAwEBAQAAAAAAAAAAAAAABAUGAQID/8QANxAAAQMCAwcCBAQFBQAAAAAAAAECAwQRBRbREiExU1SSokFRFCJhgRNxkbEjMjNScgaDoeHw/8QAGgEBAAMBAQEAAAAAAAAAAAAAAAMEBQIBBv/EADMRAQABBAEDAgQFAwMFAAAAAAABAgMUUREhMUESYXGBkaEEscHw8RMi4VKi0TJCcoKS/9oADAMBAAIRAxEAPwC9NxigAAAAAAAAAAAAAAAAAAAAAAAAAAAAAAAAAAAAAAAAAAAAAAAAAAAAAAAAAAAAAAAAAAAAAAAAAAAAAAAAAAAAAAAAAAAAAAAAAAAAAAAAAAAAAAAAAAAAAAAAAAAAAAAAAAAAAAAAAAAAAAAAAAAAAAAAAAAAAAAAAAAAAAAAAAAAAAAAAAAAAAAAAAAAAAAAAAAAAAAAAAAAAAAAAAAAAAAAAAAAAAAAAAAAAAAAAAAAAAAAAAAAAAAAAAAAAAAAAAAAAAAAAAAAAAAAAAAAAAAAAAAAAAAAAAAAbXKdBzZO5NDNzK9Q0MSjcmU6DmydyaDMr1BiUbkynQc2TuTQZleoMSjcmU6DmydyaDMr1BiUbkynQc2TuTQZleoMSjcmU6DmydyaDMr1BiUbkynQc2TuTQZleoMSjcmU6DmydyaDMr1BiUbkynQc2TuTQZleoMSjcmU6DmydyaDMr1BiUbkynQc2TuTQZleoMSjcmU6DmydyaDMr1BiUbkynQc2TuTQZleoMSjcmU6DmydyaDMr1BiUbkynQc2TuTQZleoMSjcmU6DmydyaDMr1BiUbkynQc2TuTQZleoMSjcuL/AKUw9OMz+5NBmV+xiUe7uU6DmydyaDMr1BiUbkynQc2TuTQZleoMSjcmU6DmydyaDMr1BiUbkynQc2TuTQZleoMSjcmU6DmydyaDMr1BiUbkynQc2TuTQZleoMSjcmU6DmydyaDMr1BiUbkynQc2TuTQZleoMSjcmU6DmydyaDMr1BiUbkynQc2TuTQZleoMSjcmU6DmydyaDMr1BiUbkynQc2TuTQZleoMSjcmU6DmydyaDMr1BiUbkynQc2TuTQZleoMSjcmU6DmydyaDMr1BiUbkynQc2TuTQZleoMSjcmU6DmydyaDMr1BiUbkynQc2TuTQZleoMSjcr8qrQAAAAAAAAAAAAAAAA8OljZIkb3oj3Xsl96242POYe8SpH4w9WR1K/LsSbE8f9u1uR35Itlv6oqlab8d9TxVGv3+SeLPeNxzEorZXMd8JI67mViLe/FHq56fvb7EdFzrNM+K/z6/q7mn/ujzT+XR2Gsmf+KyGRfiJqlzGu42Y1G3VL7rI1F+6/UUXqpmqN1cR8I7/Tr8yq3Ecc9op5n4rimxOOZZJHIjaVjtlJFenzKm5bJ7X3X9VLNF2KuZ8R05QVW5jiPMp5KjAAAAAAAAAAAAAAAAAAAAAAAAAAAAAAAAAA8ySMijWSRyIxEVVVV4IgmeCI5Z/FJ3zQOkljSXDlVHMliem3Fu4/Wy77p6LvKd6ufTzMc07p7x7/AMfRZt08TxE8VantKjxLEEa9r6xUVXNcx0jU3SsXg5PZzV4pxun0KF27zMTX15iYmY7VUz5j3p8x8eFq3b6cU754nxOvhKlTGp3K5Y0c6RFjXaRqr8zEVv8A2v5FafxXon+6evT7cxz8+krH9CJj6/dIw3GEV7WRS7GyzYVy3uy/zPdbjtKq2T1t+qd2rvERxPHFPHOvNU+8zPER7uLlrvzHPXt+UfBe0VRD8jWxK57P6FKm+y8yVeCOut/pct2rkU8UxHWP+mjz8atT569veVeuiZ5nn41fpH76tNQVLld8NV1UTq1EurWJayfkqqvH13fkaVFXiqY59lKunzETx7ppI4AAAAAAAAAAAAAAAAAAAAAAAAAAAAAAAAB8KxZ206rSqxJt1tu+zx3ott6bvX09lOaueOjqnjnqy9ayWKVan4JrJfV9NVXd92qibX6GfdprifV6OPeievziYiJ+65RNMx6fVz7VR+sdmSdF8biS07lX4f8AmcisRt+Cb2oqol/p6exhfjb026Z48zrjrvjtz7w0bUdOf8/f/lNjr4UcsMca2busicPt6GTNmriKpnumRqv8LEKR1VAlpmXs5PW29U/96k1mqqxcimZ6T++XkxzCywN88tKifgP+F/tZI2NHf5OX5nfru+h9HY9c08emrjVPFP3mfVP2UL3pie8c+/X7doavBm1ESoyGlghpP7Gu2nr9bpu/c07EVRHHpimNR3/f1+KjdmmfMzO12WUAAAAAAAAAAAAAAAAAAAAAAAAAAAAAAAAAImJwsmpVR9Ek1lRdhbf8bW44riJjrHLuieJ78MtiFM2nbeempYnLwi2XPd+jeP7GVdtU0zzVTbp9uPVM/Tj8pXaK5ntNU+/PEMyiuoMXvUxoxr0sqfho23BUu1OH39zG/H2app7dY68ccfaO3z6r9qqJjp/z90+sSS6LE39P34GTbmPKZ4xSdtPROan9RyKjU91U7/D25ruQ8lzBKeGKFJHLGnpaSn+Rf91qqt/otj6K3RTxE1en/wBqYmP/AKjt8/op3ap54jn5T1+ktfhlFaoZJJgsCM4pLHMjrbrotlRN35Kq7zWsWop4n+nTHw/iFC5XzEx65n2n+WgLisAAAAAAAAAAAAAAAAAAAAAAAAAAAAAAAADzIxJI1YqqiKipdHWX7KnASRPDOVVIlLtrHEtNRt/nn2kWST2Rrrq77rvv6e9G5b454/tjzV5n59/n30t0V88c/wB0+I8Qz1fhkcjVT4fZerVdsKt1Yzir5F9XKnBvpf3459dqO3HHnjUf6qp8zqPH1W6Lk75/WdR7bVcNDXxysp4KlyI5GblW6NV91am+9vlsv6lOr8FRXVHNPWePvzx9oT/1uImdc/Z2kw50jVqZ3udKiI+9/m2NrZcrV9FRyXtwJLVmmmjmI44jnprtMx70z1+Dyu5PPHy+fj6tTRU88FX+FE9jalyXS7P4VQ3jeycHW4/r6rfSt266a+ImIn/bVG+PE7/WO1GuqmaeZ54+8f4XuDUcULfxm0awyrdHRo9djcvFGp8u/ii2RbKXrNuKY59PHtHZWu1zM8c8+/lZkyIAAAAAAAAAAAAAAAAAAAAAAAAAAAAAAAAAD4VFLDUPZJKzacxbtRV3Ivvb3/Y5mmJ7uoqmOyknw6dyJTzWWoqJEdK5qLZGM37KKv2al/dSrVY55ie9U/3fCPH6fVYi7HeO1MdPijRRpI5Z1TetbZF90aqtRE/LehHbo55qnvNf5dId1VccRH+n83Iad0EKqke0+nmc1ybN9qN6Iq7v8XotvoLdr0x701T9J6/rH0Kq+Z/8oj6x/C2pcIbGx9LN81Gjmuiu5dpi8VRF4pZeC8d6oWbdiKI9Pjx7fvwgquzM+rz591sToQAAAAAAAAAAAAAAAAAqsxYV1Xg7QnxrmkORb2ZiwrqvB2gxrmjIt7MxYV1Xg7QY1zRkW9mYsK6rwdoMa5oyLezMWFdV4O0GNc0ZFvZmLCuq8HaDGuaMi3szFhXVeDtBjXNGRb2ZiwrqvB2gxrmjIt7MxYV1Xg7QY1zRkW9mYsK6rwdoMa5oyLezMWFdV4O0GNc0ZFvZmLCuq8HaDGuaMi3szFhXVeDtBjXNGRb2ZiwrqvB2gxrmjIt7MxYV1Xg7QY1zRkW9mYsK6rwdoMa5oyLezMWFdV4O0GNc0ZFvb5rjeCq1GrKmy1bon4a7l903HmLc0ZNG3tuP4Q1VVtQiKq3X+Gu/09vZD3GuaMm3t3MWFdV4O0GNc0ZFvZmLCuq8HaDGuaMi3szFhXVeDtBjXNGRb2ZiwrqvB2gxrmjIt7MxYV1Xg7QY1zRkW9mYsK6rwdoMa5oyLezMWFdV4O0GNc0ZFvZmLCuq8HaDGuaMi3szFhXVeDtBjXNGRb2ZiwrqvB2gxrmjIt7MxYV1Xg7QY1zRkW9mYsK6rwdoMa5oyLezMWFdV4O0GNc0ZFvZmLCuq8HaDGuaMi3szFhXVeDtBjXNGRb2ZiwrqvB2gxrmjIt7MxYV1Xg7QY1zRkW9sAarLAAAAAAAAAAAAAAAAAAAAAAAAAAAAAAAAAAAAAAAAAAAAAAAAAAAAAAAAAAAAAAAAAAAAAAAAAAAAAAAAAAAAAAAAAAAAAAAAAAAAAAAAAAAAAAAAAAAAAAAAAAAAAAAAAAAAAAAAAAAAAAAAAAAAAAAAAAAAAAAAAAAAAAAAAAAAAAAAAAAAAAAAAAAAAAAAAAAAAAAAAAAAAAAAAAAAAAAAAAAAAAAAAAAAAAAAAAAAAAAAAAAAAAAAAAAAAAAAAAAAAAAAAAAAAAAAAAAAAAAAAAAAAAAAAAAAAAAAAAAAAAAAAAAAAAAAAAAAAAAAAAAAAAAAAAAAAAA/9k="/>
-          <p:cNvSpPr>
-            <a:spLocks noChangeAspect="1" noChangeArrowheads="1"/>
-          </p:cNvSpPr>
-          <p:nvPr/>
-        </p:nvSpPr>
-        <p:spPr bwMode="auto">
-          <a:xfrm>
-            <a:off x="307975" y="7937"/>
-            <a:ext cx="304800" cy="304801"/>
-          </a:xfrm>
-          <a:prstGeom prst="rect">
-            <a:avLst/>
-          </a:prstGeom>
-          <a:noFill/>
-          <a:extLst>
-            <a:ext uri="{909E8E84-426E-40DD-AFC4-6F175D3DCCD1}">
-              <a14:hiddenFill xmlns:a14="http://schemas.microsoft.com/office/drawing/2010/main">
-                <a:solidFill>
-                  <a:srgbClr val="FFFFFF"/>
-                </a:solidFill>
-              </a14:hiddenFill>
-            </a:ext>
-          </a:extLst>
-        </p:spPr>
-        <p:txBody>
-          <a:bodyPr vert="horz" wrap="square" lIns="91440" tIns="45720" rIns="91440" bIns="45720" numCol="1" anchor="t" anchorCtr="0" compatLnSpc="1">
-            <a:prstTxWarp prst="textNoShape">
-              <a:avLst/>
-            </a:prstTxWarp>
-          </a:bodyPr>
-          <a:lstStyle/>
-          <a:p>
-            <a:endParaRPr lang="en-US"/>
-          </a:p>
-        </p:txBody>
-      </p:sp>
       <p:pic>
         <p:nvPicPr>
-          <p:cNvPr id="15367" name="Picture 7"/>
+          <p:cNvPr id="5124" name="Picture 4"/>
           <p:cNvPicPr>
             <a:picLocks noChangeAspect="1" noChangeArrowheads="1"/>
           </p:cNvPicPr>
           <p:nvPr/>
         </p:nvPicPr>
         <p:blipFill>
-          <a:blip r:embed="rId4" cstate="print">
+          <a:blip r:embed="rId4">
             <a:extLst>
               <a:ext uri="{28A0092B-C50C-407E-A947-70E740481C1C}">
                 <a14:useLocalDpi xmlns:a14="http://schemas.microsoft.com/office/drawing/2010/main" val="0"/>
@@ -6196,8 +6372,8 @@
         </p:blipFill>
         <p:spPr bwMode="auto">
           <a:xfrm>
-            <a:off x="8305800" y="590550"/>
-            <a:ext cx="620686" cy="386836"/>
+            <a:off x="3609975" y="3257550"/>
+            <a:ext cx="4962525" cy="1524000"/>
           </a:xfrm>
           <a:prstGeom prst="rect">
             <a:avLst/>
@@ -6240,7 +6416,7 @@
     </p:spTree>
     <p:extLst>
       <p:ext uri="{BB962C8B-B14F-4D97-AF65-F5344CB8AC3E}">
-        <p14:creationId xmlns:p14="http://schemas.microsoft.com/office/powerpoint/2010/main" val="1593838065"/>
+        <p14:creationId xmlns:p14="http://schemas.microsoft.com/office/powerpoint/2010/main" val="3224392768"/>
       </p:ext>
     </p:extLst>
   </p:cSld>
@@ -6300,19 +6476,58 @@
           <a:p>
             <a:r>
               <a:rPr lang="es-ES" sz="3800" b="1" dirty="0" smtClean="0"/>
-              <a:t>Repaso global </a:t>
+              <a:t>Promises </a:t>
             </a:r>
             <a:r>
               <a:rPr lang="es-ES" sz="3800" dirty="0" smtClean="0"/>
-              <a:t>– The big picture</a:t>
-            </a:r>
-            <a:endParaRPr lang="es-ES" b="1" dirty="0"/>
+              <a:t>– </a:t>
+            </a:r>
+            <a:r>
+              <a:rPr lang="es-ES" sz="3800" dirty="0" smtClean="0"/>
+              <a:t>El service $http</a:t>
+            </a:r>
+            <a:endParaRPr lang="es-ES" dirty="0"/>
+          </a:p>
+        </p:txBody>
+      </p:sp>
+      <p:sp>
+        <p:nvSpPr>
+          <p:cNvPr id="8" name="5 Marcador de contenido"/>
+          <p:cNvSpPr>
+            <a:spLocks noGrp="1"/>
+          </p:cNvSpPr>
+          <p:nvPr>
+            <p:ph sz="quarter" idx="14"/>
+          </p:nvPr>
+        </p:nvSpPr>
+        <p:spPr>
+          <a:xfrm>
+            <a:off x="609600" y="1352549"/>
+            <a:ext cx="3886200" cy="3657601"/>
+          </a:xfrm>
+        </p:spPr>
+        <p:txBody>
+          <a:bodyPr>
+            <a:normAutofit/>
+          </a:bodyPr>
+          <a:lstStyle/>
+          <a:p>
+            <a:endParaRPr lang="es-ES" dirty="0" smtClean="0"/>
+          </a:p>
+          <a:p>
+            <a:endParaRPr lang="en-US" dirty="0" smtClean="0"/>
+          </a:p>
+          <a:p>
+            <a:endParaRPr lang="en-US" dirty="0" smtClean="0"/>
+          </a:p>
+          <a:p>
+            <a:endParaRPr lang="en-US" dirty="0"/>
           </a:p>
         </p:txBody>
       </p:sp>
       <p:pic>
         <p:nvPicPr>
-          <p:cNvPr id="13314" name="Picture 2"/>
+          <p:cNvPr id="3075" name="Picture 3"/>
           <p:cNvPicPr>
             <a:picLocks noChangeAspect="1" noChangeArrowheads="1"/>
           </p:cNvPicPr>
@@ -6333,8 +6548,8 @@
         </p:blipFill>
         <p:spPr bwMode="auto">
           <a:xfrm>
-            <a:off x="1076325" y="1336784"/>
-            <a:ext cx="6640368" cy="3778141"/>
+            <a:off x="1905000" y="1377170"/>
+            <a:ext cx="5357813" cy="3642506"/>
           </a:xfrm>
           <a:prstGeom prst="rect">
             <a:avLst/>
@@ -6377,7 +6592,7 @@
     </p:spTree>
     <p:extLst>
       <p:ext uri="{BB962C8B-B14F-4D97-AF65-F5344CB8AC3E}">
-        <p14:creationId xmlns:p14="http://schemas.microsoft.com/office/powerpoint/2010/main" val="2113559701"/>
+        <p14:creationId xmlns:p14="http://schemas.microsoft.com/office/powerpoint/2010/main" val="1855641005"/>
       </p:ext>
     </p:extLst>
   </p:cSld>
@@ -6432,6 +6647,417 @@
           <a:p>
             <a:r>
               <a:rPr lang="es-ES" sz="3800" b="1" dirty="0" smtClean="0"/>
+              <a:t>RESTangular</a:t>
+            </a:r>
+            <a:r>
+              <a:rPr lang="es-ES" sz="3800" dirty="0" smtClean="0"/>
+              <a:t> – Made in Argentina</a:t>
+            </a:r>
+            <a:endParaRPr lang="es-ES" dirty="0"/>
+          </a:p>
+        </p:txBody>
+      </p:sp>
+      <p:pic>
+        <p:nvPicPr>
+          <p:cNvPr id="4" name="Picture 1"/>
+          <p:cNvPicPr>
+            <a:picLocks noChangeAspect="1" noChangeArrowheads="1"/>
+          </p:cNvPicPr>
+          <p:nvPr/>
+        </p:nvPicPr>
+        <p:blipFill>
+          <a:blip r:embed="rId3">
+            <a:extLst>
+              <a:ext uri="{28A0092B-C50C-407E-A947-70E740481C1C}">
+                <a14:useLocalDpi xmlns:a14="http://schemas.microsoft.com/office/drawing/2010/main" val="0"/>
+              </a:ext>
+            </a:extLst>
+          </a:blip>
+          <a:srcRect/>
+          <a:stretch>
+            <a:fillRect/>
+          </a:stretch>
+        </p:blipFill>
+        <p:spPr bwMode="auto">
+          <a:xfrm>
+            <a:off x="731252" y="1885950"/>
+            <a:ext cx="7726948" cy="2465127"/>
+          </a:xfrm>
+          <a:prstGeom prst="rect">
+            <a:avLst/>
+          </a:prstGeom>
+          <a:noFill/>
+          <a:ln>
+            <a:noFill/>
+          </a:ln>
+          <a:effectLst/>
+          <a:extLst>
+            <a:ext uri="{909E8E84-426E-40DD-AFC4-6F175D3DCCD1}">
+              <a14:hiddenFill xmlns:a14="http://schemas.microsoft.com/office/drawing/2010/main">
+                <a:solidFill>
+                  <a:schemeClr val="accent1"/>
+                </a:solidFill>
+              </a14:hiddenFill>
+            </a:ext>
+            <a:ext uri="{91240B29-F687-4F45-9708-019B960494DF}">
+              <a14:hiddenLine xmlns:a14="http://schemas.microsoft.com/office/drawing/2010/main" w="9525">
+                <a:solidFill>
+                  <a:schemeClr val="tx1"/>
+                </a:solidFill>
+                <a:miter lim="800000"/>
+                <a:headEnd/>
+                <a:tailEnd/>
+              </a14:hiddenLine>
+            </a:ext>
+            <a:ext uri="{AF507438-7753-43E0-B8FC-AC1667EBCBE1}">
+              <a14:hiddenEffects xmlns:a14="http://schemas.microsoft.com/office/drawing/2010/main">
+                <a:effectLst>
+                  <a:outerShdw dist="35921" dir="2700000" algn="ctr" rotWithShape="0">
+                    <a:schemeClr val="bg2"/>
+                  </a:outerShdw>
+                </a:effectLst>
+              </a14:hiddenEffects>
+            </a:ext>
+          </a:extLst>
+        </p:spPr>
+      </p:pic>
+      <p:sp>
+        <p:nvSpPr>
+          <p:cNvPr id="5" name="AutoShape 4" descr="data:image/jpeg;base64,/9j/4AAQSkZJRgABAQAAAQABAAD/2wCEAAkGBwgHBhMIBwgVFQkXGRcbGRUYDR8eHRsiHxsfHyAgHx0eKCkoIiYxHR0oLT0nJzUrLzEvHyUzPDYxNyg5Oi0BCgoKDg0OGxAQGiskICUvNDQsLi01NywwNzU2MCw3MjI0Lis3NTQxNC43MjI3NC0sNDc1LDQ3NTc1MS8sLCw0LP/AABEIALEBHAMBEQACEQEDEQH/xAAaAAEAAwEBAQAAAAAAAAAAAAAABAUGAQID/8QANxAAAQMCAwcCBAQFBQAAAAAAAAECAwQRBRbREiExU1SSokFRFCJhgRNxkbEjMjNScgaDoeHw/8QAGgEBAAMBAQEAAAAAAAAAAAAAAAMEBQIBBv/EADMRAQABBAEDAgQFAwMFAAAAAAABAgMUUREhMUESYXGBkaEEscHw8RMi4VKi0TJCcoKS/9oADAMBAAIRAxEAPwC9NxigAAAAAAAAAAAAAAAAAAAAAAAAAAAAAAAAAAAAAAAAAAAAAAAAAAAAAAAAAAAAAAAAAAAAAAAAAAAAAAAAAAAAAAAAAAAAAAAAAAAAAAAAAAAAAAAAAAAAAAAAAAAAAAAAAAAAAAAAAAAAAAAAAAAAAAAAAAAAAAAAAAAAAAAAAAAAAAAAAAAAAAAAAAAAAAAAAAAAAAAAAAAAAAAAAAAAAAAAAAAAAAAAAAAAAAAAAAAAAAAAAAAAAAAAAAAAAAAAAAAAAAAAAAAAAAAAAAAAAAAAAAAAAAAAAAAAbXKdBzZO5NDNzK9Q0MSjcmU6DmydyaDMr1BiUbkynQc2TuTQZleoMSjcmU6DmydyaDMr1BiUbkynQc2TuTQZleoMSjcmU6DmydyaDMr1BiUbkynQc2TuTQZleoMSjcmU6DmydyaDMr1BiUbkynQc2TuTQZleoMSjcmU6DmydyaDMr1BiUbkynQc2TuTQZleoMSjcmU6DmydyaDMr1BiUbkynQc2TuTQZleoMSjcmU6DmydyaDMr1BiUbkynQc2TuTQZleoMSjcmU6DmydyaDMr1BiUbkynQc2TuTQZleoMSjcuL/AKUw9OMz+5NBmV+xiUe7uU6DmydyaDMr1BiUbkynQc2TuTQZleoMSjcmU6DmydyaDMr1BiUbkynQc2TuTQZleoMSjcmU6DmydyaDMr1BiUbkynQc2TuTQZleoMSjcmU6DmydyaDMr1BiUbkynQc2TuTQZleoMSjcmU6DmydyaDMr1BiUbkynQc2TuTQZleoMSjcmU6DmydyaDMr1BiUbkynQc2TuTQZleoMSjcmU6DmydyaDMr1BiUbkynQc2TuTQZleoMSjcmU6DmydyaDMr1BiUbkynQc2TuTQZleoMSjcmU6DmydyaDMr1BiUbkynQc2TuTQZleoMSjcr8qrQAAAAAAAAAAAAAAAA8OljZIkb3oj3Xsl96242POYe8SpH4w9WR1K/LsSbE8f9u1uR35Itlv6oqlab8d9TxVGv3+SeLPeNxzEorZXMd8JI67mViLe/FHq56fvb7EdFzrNM+K/z6/q7mn/ujzT+XR2Gsmf+KyGRfiJqlzGu42Y1G3VL7rI1F+6/UUXqpmqN1cR8I7/Tr8yq3Ecc9op5n4rimxOOZZJHIjaVjtlJFenzKm5bJ7X3X9VLNF2KuZ8R05QVW5jiPMp5KjAAAAAAAAAAAAAAAAAAAAAAAAAAAAAAAAAA8ySMijWSRyIxEVVVV4IgmeCI5Z/FJ3zQOkljSXDlVHMliem3Fu4/Wy77p6LvKd6ufTzMc07p7x7/AMfRZt08TxE8VantKjxLEEa9r6xUVXNcx0jU3SsXg5PZzV4pxun0KF27zMTX15iYmY7VUz5j3p8x8eFq3b6cU754nxOvhKlTGp3K5Y0c6RFjXaRqr8zEVv8A2v5FafxXon+6evT7cxz8+krH9CJj6/dIw3GEV7WRS7GyzYVy3uy/zPdbjtKq2T1t+qd2rvERxPHFPHOvNU+8zPER7uLlrvzHPXt+UfBe0VRD8jWxK57P6FKm+y8yVeCOut/pct2rkU8UxHWP+mjz8atT569veVeuiZ5nn41fpH76tNQVLld8NV1UTq1EurWJayfkqqvH13fkaVFXiqY59lKunzETx7ppI4AAAAAAAAAAAAAAAAAAAAAAAAAAAAAAAAB8KxZ206rSqxJt1tu+zx3ott6bvX09lOaueOjqnjnqy9ayWKVan4JrJfV9NVXd92qibX6GfdprifV6OPeievziYiJ+65RNMx6fVz7VR+sdmSdF8biS07lX4f8AmcisRt+Cb2oqol/p6exhfjb026Z48zrjrvjtz7w0bUdOf8/f/lNjr4UcsMca2busicPt6GTNmriKpnumRqv8LEKR1VAlpmXs5PW29U/96k1mqqxcimZ6T++XkxzCywN88tKifgP+F/tZI2NHf5OX5nfru+h9HY9c08emrjVPFP3mfVP2UL3pie8c+/X7doavBm1ESoyGlghpP7Gu2nr9bpu/c07EVRHHpimNR3/f1+KjdmmfMzO12WUAAAAAAAAAAAAAAAAAAAAAAAAAAAAAAAAAImJwsmpVR9Ek1lRdhbf8bW44riJjrHLuieJ78MtiFM2nbeempYnLwi2XPd+jeP7GVdtU0zzVTbp9uPVM/Tj8pXaK5ntNU+/PEMyiuoMXvUxoxr0sqfho23BUu1OH39zG/H2app7dY68ccfaO3z6r9qqJjp/z90+sSS6LE39P34GTbmPKZ4xSdtPROan9RyKjU91U7/D25ruQ8lzBKeGKFJHLGnpaSn+Rf91qqt/otj6K3RTxE1en/wBqYmP/AKjt8/op3ap54jn5T1+ktfhlFaoZJJgsCM4pLHMjrbrotlRN35Kq7zWsWop4n+nTHw/iFC5XzEx65n2n+WgLisAAAAAAAAAAAAAAAAAAAAAAAAAAAAAAAADzIxJI1YqqiKipdHWX7KnASRPDOVVIlLtrHEtNRt/nn2kWST2Rrrq77rvv6e9G5b454/tjzV5n59/n30t0V88c/wB0+I8Qz1fhkcjVT4fZerVdsKt1Yzir5F9XKnBvpf3459dqO3HHnjUf6qp8zqPH1W6Lk75/WdR7bVcNDXxysp4KlyI5GblW6NV91am+9vlsv6lOr8FRXVHNPWePvzx9oT/1uImdc/Z2kw50jVqZ3udKiI+9/m2NrZcrV9FRyXtwJLVmmmjmI44jnprtMx70z1+Dyu5PPHy+fj6tTRU88FX+FE9jalyXS7P4VQ3jeycHW4/r6rfSt266a+ImIn/bVG+PE7/WO1GuqmaeZ54+8f4XuDUcULfxm0awyrdHRo9djcvFGp8u/ii2RbKXrNuKY59PHtHZWu1zM8c8+/lZkyIAAAAAAAAAAAAAAAAAAAAAAAAAAAAAAAAAD4VFLDUPZJKzacxbtRV3Ivvb3/Y5mmJ7uoqmOyknw6dyJTzWWoqJEdK5qLZGM37KKv2al/dSrVY55ie9U/3fCPH6fVYi7HeO1MdPijRRpI5Z1TetbZF90aqtRE/LehHbo55qnvNf5dId1VccRH+n83Iad0EKqke0+nmc1ybN9qN6Iq7v8XotvoLdr0x701T9J6/rH0Kq+Z/8oj6x/C2pcIbGx9LN81Gjmuiu5dpi8VRF4pZeC8d6oWbdiKI9Pjx7fvwgquzM+rz591sToQAAAAAAAAAAAAAAAAAqsxYV1Xg7QnxrmkORb2ZiwrqvB2gxrmjIt7MxYV1Xg7QY1zRkW9mYsK6rwdoMa5oyLezMWFdV4O0GNc0ZFvZmLCuq8HaDGuaMi3szFhXVeDtBjXNGRb2ZiwrqvB2gxrmjIt7MxYV1Xg7QY1zRkW9mYsK6rwdoMa5oyLezMWFdV4O0GNc0ZFvZmLCuq8HaDGuaMi3szFhXVeDtBjXNGRb2ZiwrqvB2gxrmjIt7MxYV1Xg7QY1zRkW9mYsK6rwdoMa5oyLezMWFdV4O0GNc0ZFvb5rjeCq1GrKmy1bon4a7l903HmLc0ZNG3tuP4Q1VVtQiKq3X+Gu/09vZD3GuaMm3t3MWFdV4O0GNc0ZFvZmLCuq8HaDGuaMi3szFhXVeDtBjXNGRb2ZiwrqvB2gxrmjIt7MxYV1Xg7QY1zRkW9mYsK6rwdoMa5oyLezMWFdV4O0GNc0ZFvZmLCuq8HaDGuaMi3szFhXVeDtBjXNGRb2ZiwrqvB2gxrmjIt7MxYV1Xg7QY1zRkW9mYsK6rwdoMa5oyLezMWFdV4O0GNc0ZFvZmLCuq8HaDGuaMi3szFhXVeDtBjXNGRb2ZiwrqvB2gxrmjIt7MxYV1Xg7QY1zRkW9sAarLAAAAAAAAAAAAAAAAAAAAAAAAAAAAAAAAAAAAAAAAAAAAAAAAAAAAAAAAAAAAAAAAAAAAAAAAAAAAAAAAAAAAAAAAAAAAAAAAAAAAAAAAAAAAAAAAAAAAAAAAAAAAAAAAAAAAAAAAAAAAAAAAAAAAAAAAAAAAAAAAAAAAAAAAAAAAAAAAAAAAAAAAAAAAAAAAAAAAAAAAAAAAAAAAAAAAAAAAAAAAAAAAAAAAAAAAAAAAAAAAAAAAAAAAAAAAAAAAAAAAAAAAAAAAAAAAAAAAAAAAAAAAAAAAAAAAAAAAAAAAAAAAAAAAAAAAAAAAAAAAAAAAAAAAAAAAAAA/9k="/>
+          <p:cNvSpPr>
+            <a:spLocks noChangeAspect="1" noChangeArrowheads="1"/>
+          </p:cNvSpPr>
+          <p:nvPr/>
+        </p:nvSpPr>
+        <p:spPr bwMode="auto">
+          <a:xfrm>
+            <a:off x="155575" y="-144463"/>
+            <a:ext cx="304800" cy="304801"/>
+          </a:xfrm>
+          <a:prstGeom prst="rect">
+            <a:avLst/>
+          </a:prstGeom>
+          <a:noFill/>
+          <a:extLst>
+            <a:ext uri="{909E8E84-426E-40DD-AFC4-6F175D3DCCD1}">
+              <a14:hiddenFill xmlns:a14="http://schemas.microsoft.com/office/drawing/2010/main">
+                <a:solidFill>
+                  <a:srgbClr val="FFFFFF"/>
+                </a:solidFill>
+              </a14:hiddenFill>
+            </a:ext>
+          </a:extLst>
+        </p:spPr>
+        <p:txBody>
+          <a:bodyPr vert="horz" wrap="square" lIns="91440" tIns="45720" rIns="91440" bIns="45720" numCol="1" anchor="t" anchorCtr="0" compatLnSpc="1">
+            <a:prstTxWarp prst="textNoShape">
+              <a:avLst/>
+            </a:prstTxWarp>
+          </a:bodyPr>
+          <a:lstStyle/>
+          <a:p>
+            <a:endParaRPr lang="en-US"/>
+          </a:p>
+        </p:txBody>
+      </p:sp>
+      <p:sp>
+        <p:nvSpPr>
+          <p:cNvPr id="6" name="AutoShape 6" descr="data:image/jpeg;base64,/9j/4AAQSkZJRgABAQAAAQABAAD/2wCEAAkGBwgHBhMIBwgVFQkXGRcbGRUYDR8eHRsiHxsfHyAgHx0eKCkoIiYxHR0oLT0nJzUrLzEvHyUzPDYxNyg5Oi0BCgoKDg0OGxAQGiskICUvNDQsLi01NywwNzU2MCw3MjI0Lis3NTQxNC43MjI3NC0sNDc1LDQ3NTc1MS8sLCw0LP/AABEIALEBHAMBEQACEQEDEQH/xAAaAAEAAwEBAQAAAAAAAAAAAAAABAUGAQID/8QANxAAAQMCAwcCBAQFBQAAAAAAAAECAwQRBRbREiExU1SSokFRFCJhgRNxkbEjMjNScgaDoeHw/8QAGgEBAAMBAQEAAAAAAAAAAAAAAAMEBQIBBv/EADMRAQABBAEDAgQFAwMFAAAAAAABAgMUUREhMUESYXGBkaEEscHw8RMi4VKi0TJCcoKS/9oADAMBAAIRAxEAPwC9NxigAAAAAAAAAAAAAAAAAAAAAAAAAAAAAAAAAAAAAAAAAAAAAAAAAAAAAAAAAAAAAAAAAAAAAAAAAAAAAAAAAAAAAAAAAAAAAAAAAAAAAAAAAAAAAAAAAAAAAAAAAAAAAAAAAAAAAAAAAAAAAAAAAAAAAAAAAAAAAAAAAAAAAAAAAAAAAAAAAAAAAAAAAAAAAAAAAAAAAAAAAAAAAAAAAAAAAAAAAAAAAAAAAAAAAAAAAAAAAAAAAAAAAAAAAAAAAAAAAAAAAAAAAAAAAAAAAAAAAAAAAAAAAAAAAAAAbXKdBzZO5NDNzK9Q0MSjcmU6DmydyaDMr1BiUbkynQc2TuTQZleoMSjcmU6DmydyaDMr1BiUbkynQc2TuTQZleoMSjcmU6DmydyaDMr1BiUbkynQc2TuTQZleoMSjcmU6DmydyaDMr1BiUbkynQc2TuTQZleoMSjcmU6DmydyaDMr1BiUbkynQc2TuTQZleoMSjcmU6DmydyaDMr1BiUbkynQc2TuTQZleoMSjcmU6DmydyaDMr1BiUbkynQc2TuTQZleoMSjcmU6DmydyaDMr1BiUbkynQc2TuTQZleoMSjcuL/AKUw9OMz+5NBmV+xiUe7uU6DmydyaDMr1BiUbkynQc2TuTQZleoMSjcmU6DmydyaDMr1BiUbkynQc2TuTQZleoMSjcmU6DmydyaDMr1BiUbkynQc2TuTQZleoMSjcmU6DmydyaDMr1BiUbkynQc2TuTQZleoMSjcmU6DmydyaDMr1BiUbkynQc2TuTQZleoMSjcmU6DmydyaDMr1BiUbkynQc2TuTQZleoMSjcmU6DmydyaDMr1BiUbkynQc2TuTQZleoMSjcmU6DmydyaDMr1BiUbkynQc2TuTQZleoMSjcmU6DmydyaDMr1BiUbkynQc2TuTQZleoMSjcr8qrQAAAAAAAAAAAAAAAA8OljZIkb3oj3Xsl96242POYe8SpH4w9WR1K/LsSbE8f9u1uR35Itlv6oqlab8d9TxVGv3+SeLPeNxzEorZXMd8JI67mViLe/FHq56fvb7EdFzrNM+K/z6/q7mn/ujzT+XR2Gsmf+KyGRfiJqlzGu42Y1G3VL7rI1F+6/UUXqpmqN1cR8I7/Tr8yq3Ecc9op5n4rimxOOZZJHIjaVjtlJFenzKm5bJ7X3X9VLNF2KuZ8R05QVW5jiPMp5KjAAAAAAAAAAAAAAAAAAAAAAAAAAAAAAAAAA8ySMijWSRyIxEVVVV4IgmeCI5Z/FJ3zQOkljSXDlVHMliem3Fu4/Wy77p6LvKd6ufTzMc07p7x7/AMfRZt08TxE8VantKjxLEEa9r6xUVXNcx0jU3SsXg5PZzV4pxun0KF27zMTX15iYmY7VUz5j3p8x8eFq3b6cU754nxOvhKlTGp3K5Y0c6RFjXaRqr8zEVv8A2v5FafxXon+6evT7cxz8+krH9CJj6/dIw3GEV7WRS7GyzYVy3uy/zPdbjtKq2T1t+qd2rvERxPHFPHOvNU+8zPER7uLlrvzHPXt+UfBe0VRD8jWxK57P6FKm+y8yVeCOut/pct2rkU8UxHWP+mjz8atT569veVeuiZ5nn41fpH76tNQVLld8NV1UTq1EurWJayfkqqvH13fkaVFXiqY59lKunzETx7ppI4AAAAAAAAAAAAAAAAAAAAAAAAAAAAAAAAB8KxZ206rSqxJt1tu+zx3ott6bvX09lOaueOjqnjnqy9ayWKVan4JrJfV9NVXd92qibX6GfdprifV6OPeievziYiJ+65RNMx6fVz7VR+sdmSdF8biS07lX4f8AmcisRt+Cb2oqol/p6exhfjb026Z48zrjrvjtz7w0bUdOf8/f/lNjr4UcsMca2busicPt6GTNmriKpnumRqv8LEKR1VAlpmXs5PW29U/96k1mqqxcimZ6T++XkxzCywN88tKifgP+F/tZI2NHf5OX5nfru+h9HY9c08emrjVPFP3mfVP2UL3pie8c+/X7doavBm1ESoyGlghpP7Gu2nr9bpu/c07EVRHHpimNR3/f1+KjdmmfMzO12WUAAAAAAAAAAAAAAAAAAAAAAAAAAAAAAAAAImJwsmpVR9Ek1lRdhbf8bW44riJjrHLuieJ78MtiFM2nbeempYnLwi2XPd+jeP7GVdtU0zzVTbp9uPVM/Tj8pXaK5ntNU+/PEMyiuoMXvUxoxr0sqfho23BUu1OH39zG/H2app7dY68ccfaO3z6r9qqJjp/z90+sSS6LE39P34GTbmPKZ4xSdtPROan9RyKjU91U7/D25ruQ8lzBKeGKFJHLGnpaSn+Rf91qqt/otj6K3RTxE1en/wBqYmP/AKjt8/op3ap54jn5T1+ktfhlFaoZJJgsCM4pLHMjrbrotlRN35Kq7zWsWop4n+nTHw/iFC5XzEx65n2n+WgLisAAAAAAAAAAAAAAAAAAAAAAAAAAAAAAAADzIxJI1YqqiKipdHWX7KnASRPDOVVIlLtrHEtNRt/nn2kWST2Rrrq77rvv6e9G5b454/tjzV5n59/n30t0V88c/wB0+I8Qz1fhkcjVT4fZerVdsKt1Yzir5F9XKnBvpf3459dqO3HHnjUf6qp8zqPH1W6Lk75/WdR7bVcNDXxysp4KlyI5GblW6NV91am+9vlsv6lOr8FRXVHNPWePvzx9oT/1uImdc/Z2kw50jVqZ3udKiI+9/m2NrZcrV9FRyXtwJLVmmmjmI44jnprtMx70z1+Dyu5PPHy+fj6tTRU88FX+FE9jalyXS7P4VQ3jeycHW4/r6rfSt266a+ImIn/bVG+PE7/WO1GuqmaeZ54+8f4XuDUcULfxm0awyrdHRo9djcvFGp8u/ii2RbKXrNuKY59PHtHZWu1zM8c8+/lZkyIAAAAAAAAAAAAAAAAAAAAAAAAAAAAAAAAAD4VFLDUPZJKzacxbtRV3Ivvb3/Y5mmJ7uoqmOyknw6dyJTzWWoqJEdK5qLZGM37KKv2al/dSrVY55ie9U/3fCPH6fVYi7HeO1MdPijRRpI5Z1TetbZF90aqtRE/LehHbo55qnvNf5dId1VccRH+n83Iad0EKqke0+nmc1ybN9qN6Iq7v8XotvoLdr0x701T9J6/rH0Kq+Z/8oj6x/C2pcIbGx9LN81Gjmuiu5dpi8VRF4pZeC8d6oWbdiKI9Pjx7fvwgquzM+rz591sToQAAAAAAAAAAAAAAAAAqsxYV1Xg7QnxrmkORb2ZiwrqvB2gxrmjIt7MxYV1Xg7QY1zRkW9mYsK6rwdoMa5oyLezMWFdV4O0GNc0ZFvZmLCuq8HaDGuaMi3szFhXVeDtBjXNGRb2ZiwrqvB2gxrmjIt7MxYV1Xg7QY1zRkW9mYsK6rwdoMa5oyLezMWFdV4O0GNc0ZFvZmLCuq8HaDGuaMi3szFhXVeDtBjXNGRb2ZiwrqvB2gxrmjIt7MxYV1Xg7QY1zRkW9mYsK6rwdoMa5oyLezMWFdV4O0GNc0ZFvb5rjeCq1GrKmy1bon4a7l903HmLc0ZNG3tuP4Q1VVtQiKq3X+Gu/09vZD3GuaMm3t3MWFdV4O0GNc0ZFvZmLCuq8HaDGuaMi3szFhXVeDtBjXNGRb2ZiwrqvB2gxrmjIt7MxYV1Xg7QY1zRkW9mYsK6rwdoMa5oyLezMWFdV4O0GNc0ZFvZmLCuq8HaDGuaMi3szFhXVeDtBjXNGRb2ZiwrqvB2gxrmjIt7MxYV1Xg7QY1zRkW9mYsK6rwdoMa5oyLezMWFdV4O0GNc0ZFvZmLCuq8HaDGuaMi3szFhXVeDtBjXNGRb2ZiwrqvB2gxrmjIt7MxYV1Xg7QY1zRkW9sAarLAAAAAAAAAAAAAAAAAAAAAAAAAAAAAAAAAAAAAAAAAAAAAAAAAAAAAAAAAAAAAAAAAAAAAAAAAAAAAAAAAAAAAAAAAAAAAAAAAAAAAAAAAAAAAAAAAAAAAAAAAAAAAAAAAAAAAAAAAAAAAAAAAAAAAAAAAAAAAAAAAAAAAAAAAAAAAAAAAAAAAAAAAAAAAAAAAAAAAAAAAAAAAAAAAAAAAAAAAAAAAAAAAAAAAAAAAAAAAAAAAAAAAAAAAAAAAAAAAAAAAAAAAAAAAAAAAAAAAAAAAAAAAAAAAAAAAAAAAAAAAAAAAAAAAAAAAAAAAAAAAAAAAAAAAAAAAAA/9k="/>
+          <p:cNvSpPr>
+            <a:spLocks noChangeAspect="1" noChangeArrowheads="1"/>
+          </p:cNvSpPr>
+          <p:nvPr/>
+        </p:nvSpPr>
+        <p:spPr bwMode="auto">
+          <a:xfrm>
+            <a:off x="307975" y="7937"/>
+            <a:ext cx="304800" cy="304801"/>
+          </a:xfrm>
+          <a:prstGeom prst="rect">
+            <a:avLst/>
+          </a:prstGeom>
+          <a:noFill/>
+          <a:extLst>
+            <a:ext uri="{909E8E84-426E-40DD-AFC4-6F175D3DCCD1}">
+              <a14:hiddenFill xmlns:a14="http://schemas.microsoft.com/office/drawing/2010/main">
+                <a:solidFill>
+                  <a:srgbClr val="FFFFFF"/>
+                </a:solidFill>
+              </a14:hiddenFill>
+            </a:ext>
+          </a:extLst>
+        </p:spPr>
+        <p:txBody>
+          <a:bodyPr vert="horz" wrap="square" lIns="91440" tIns="45720" rIns="91440" bIns="45720" numCol="1" anchor="t" anchorCtr="0" compatLnSpc="1">
+            <a:prstTxWarp prst="textNoShape">
+              <a:avLst/>
+            </a:prstTxWarp>
+          </a:bodyPr>
+          <a:lstStyle/>
+          <a:p>
+            <a:endParaRPr lang="en-US"/>
+          </a:p>
+        </p:txBody>
+      </p:sp>
+      <p:pic>
+        <p:nvPicPr>
+          <p:cNvPr id="15367" name="Picture 7"/>
+          <p:cNvPicPr>
+            <a:picLocks noChangeAspect="1" noChangeArrowheads="1"/>
+          </p:cNvPicPr>
+          <p:nvPr/>
+        </p:nvPicPr>
+        <p:blipFill>
+          <a:blip r:embed="rId4" cstate="print">
+            <a:extLst>
+              <a:ext uri="{28A0092B-C50C-407E-A947-70E740481C1C}">
+                <a14:useLocalDpi xmlns:a14="http://schemas.microsoft.com/office/drawing/2010/main" val="0"/>
+              </a:ext>
+            </a:extLst>
+          </a:blip>
+          <a:srcRect/>
+          <a:stretch>
+            <a:fillRect/>
+          </a:stretch>
+        </p:blipFill>
+        <p:spPr bwMode="auto">
+          <a:xfrm>
+            <a:off x="8305800" y="590550"/>
+            <a:ext cx="620686" cy="386836"/>
+          </a:xfrm>
+          <a:prstGeom prst="rect">
+            <a:avLst/>
+          </a:prstGeom>
+          <a:noFill/>
+          <a:ln>
+            <a:noFill/>
+          </a:ln>
+          <a:effectLst/>
+          <a:extLst>
+            <a:ext uri="{909E8E84-426E-40DD-AFC4-6F175D3DCCD1}">
+              <a14:hiddenFill xmlns:a14="http://schemas.microsoft.com/office/drawing/2010/main">
+                <a:solidFill>
+                  <a:schemeClr val="accent1"/>
+                </a:solidFill>
+              </a14:hiddenFill>
+            </a:ext>
+            <a:ext uri="{91240B29-F687-4F45-9708-019B960494DF}">
+              <a14:hiddenLine xmlns:a14="http://schemas.microsoft.com/office/drawing/2010/main" w="9525">
+                <a:solidFill>
+                  <a:schemeClr val="tx1"/>
+                </a:solidFill>
+                <a:miter lim="800000"/>
+                <a:headEnd/>
+                <a:tailEnd/>
+              </a14:hiddenLine>
+            </a:ext>
+            <a:ext uri="{AF507438-7753-43E0-B8FC-AC1667EBCBE1}">
+              <a14:hiddenEffects xmlns:a14="http://schemas.microsoft.com/office/drawing/2010/main">
+                <a:effectLst>
+                  <a:outerShdw dist="35921" dir="2700000" algn="ctr" rotWithShape="0">
+                    <a:schemeClr val="bg2"/>
+                  </a:outerShdw>
+                </a:effectLst>
+              </a14:hiddenEffects>
+            </a:ext>
+          </a:extLst>
+        </p:spPr>
+      </p:pic>
+    </p:spTree>
+    <p:extLst>
+      <p:ext uri="{BB962C8B-B14F-4D97-AF65-F5344CB8AC3E}">
+        <p14:creationId xmlns:p14="http://schemas.microsoft.com/office/powerpoint/2010/main" val="1593838065"/>
+      </p:ext>
+    </p:extLst>
+  </p:cSld>
+  <p:clrMapOvr>
+    <a:masterClrMapping/>
+  </p:clrMapOvr>
+  <p:timing>
+    <p:tnLst>
+      <p:par>
+        <p:cTn id="1" dur="indefinite" restart="never" nodeType="tmRoot"/>
+      </p:par>
+    </p:tnLst>
+  </p:timing>
+</p:sld>
+</file>
+
+<file path=ppt/slides/slide17.xml><?xml version="1.0" encoding="utf-8"?>
+<p:sld xmlns:a="http://schemas.openxmlformats.org/drawingml/2006/main" xmlns:r="http://schemas.openxmlformats.org/officeDocument/2006/relationships" xmlns:p="http://schemas.openxmlformats.org/presentationml/2006/main">
+  <p:cSld>
+    <p:spTree>
+      <p:nvGrpSpPr>
+        <p:cNvPr id="1" name=""/>
+        <p:cNvGrpSpPr/>
+        <p:nvPr/>
+      </p:nvGrpSpPr>
+      <p:grpSpPr>
+        <a:xfrm>
+          <a:off x="0" y="0"/>
+          <a:ext cx="0" cy="0"/>
+          <a:chOff x="0" y="0"/>
+          <a:chExt cx="0" cy="0"/>
+        </a:xfrm>
+      </p:grpSpPr>
+      <p:sp>
+        <p:nvSpPr>
+          <p:cNvPr id="2" name="Rectangle 1"/>
+          <p:cNvSpPr>
+            <a:spLocks noGrp="1"/>
+          </p:cNvSpPr>
+          <p:nvPr>
+            <p:ph type="title"/>
+          </p:nvPr>
+        </p:nvSpPr>
+        <p:spPr>
+          <a:xfrm>
+            <a:off x="609600" y="118110"/>
+            <a:ext cx="8458200" cy="1005840"/>
+          </a:xfrm>
+        </p:spPr>
+        <p:txBody>
+          <a:bodyPr>
+            <a:normAutofit/>
+          </a:bodyPr>
+          <a:lstStyle>
+            <a:extLst/>
+          </a:lstStyle>
+          <a:p>
+            <a:r>
+              <a:rPr lang="es-ES" sz="3800" b="1" dirty="0" smtClean="0"/>
+              <a:t>Repaso global </a:t>
+            </a:r>
+            <a:r>
+              <a:rPr lang="es-ES" sz="3800" dirty="0" smtClean="0"/>
+              <a:t>– The big picture</a:t>
+            </a:r>
+            <a:endParaRPr lang="es-ES" b="1" dirty="0"/>
+          </a:p>
+        </p:txBody>
+      </p:sp>
+      <p:pic>
+        <p:nvPicPr>
+          <p:cNvPr id="13314" name="Picture 2"/>
+          <p:cNvPicPr>
+            <a:picLocks noChangeAspect="1" noChangeArrowheads="1"/>
+          </p:cNvPicPr>
+          <p:nvPr/>
+        </p:nvPicPr>
+        <p:blipFill>
+          <a:blip r:embed="rId3">
+            <a:extLst>
+              <a:ext uri="{28A0092B-C50C-407E-A947-70E740481C1C}">
+                <a14:useLocalDpi xmlns:a14="http://schemas.microsoft.com/office/drawing/2010/main" val="0"/>
+              </a:ext>
+            </a:extLst>
+          </a:blip>
+          <a:srcRect/>
+          <a:stretch>
+            <a:fillRect/>
+          </a:stretch>
+        </p:blipFill>
+        <p:spPr bwMode="auto">
+          <a:xfrm>
+            <a:off x="1076325" y="1336784"/>
+            <a:ext cx="6640368" cy="3778141"/>
+          </a:xfrm>
+          <a:prstGeom prst="rect">
+            <a:avLst/>
+          </a:prstGeom>
+          <a:noFill/>
+          <a:ln>
+            <a:noFill/>
+          </a:ln>
+          <a:effectLst/>
+          <a:extLst>
+            <a:ext uri="{909E8E84-426E-40DD-AFC4-6F175D3DCCD1}">
+              <a14:hiddenFill xmlns:a14="http://schemas.microsoft.com/office/drawing/2010/main">
+                <a:solidFill>
+                  <a:schemeClr val="accent1"/>
+                </a:solidFill>
+              </a14:hiddenFill>
+            </a:ext>
+            <a:ext uri="{91240B29-F687-4F45-9708-019B960494DF}">
+              <a14:hiddenLine xmlns:a14="http://schemas.microsoft.com/office/drawing/2010/main" w="9525">
+                <a:solidFill>
+                  <a:schemeClr val="tx1"/>
+                </a:solidFill>
+                <a:miter lim="800000"/>
+                <a:headEnd/>
+                <a:tailEnd/>
+              </a14:hiddenLine>
+            </a:ext>
+            <a:ext uri="{AF507438-7753-43E0-B8FC-AC1667EBCBE1}">
+              <a14:hiddenEffects xmlns:a14="http://schemas.microsoft.com/office/drawing/2010/main">
+                <a:effectLst>
+                  <a:outerShdw dist="35921" dir="2700000" algn="ctr" rotWithShape="0">
+                    <a:schemeClr val="bg2"/>
+                  </a:outerShdw>
+                </a:effectLst>
+              </a14:hiddenEffects>
+            </a:ext>
+          </a:extLst>
+        </p:spPr>
+      </p:pic>
+    </p:spTree>
+    <p:extLst>
+      <p:ext uri="{BB962C8B-B14F-4D97-AF65-F5344CB8AC3E}">
+        <p14:creationId xmlns:p14="http://schemas.microsoft.com/office/powerpoint/2010/main" val="2113559701"/>
+      </p:ext>
+    </p:extLst>
+  </p:cSld>
+  <p:clrMapOvr>
+    <a:masterClrMapping/>
+  </p:clrMapOvr>
+  <p:timing>
+    <p:tnLst>
+      <p:par>
+        <p:cTn id="1" dur="indefinite" restart="never" nodeType="tmRoot"/>
+      </p:par>
+    </p:tnLst>
+  </p:timing>
+</p:sld>
+</file>
+
+<file path=ppt/slides/slide18.xml><?xml version="1.0" encoding="utf-8"?>
+<p:sld xmlns:a="http://schemas.openxmlformats.org/drawingml/2006/main" xmlns:r="http://schemas.openxmlformats.org/officeDocument/2006/relationships" xmlns:p="http://schemas.openxmlformats.org/presentationml/2006/main">
+  <p:cSld>
+    <p:spTree>
+      <p:nvGrpSpPr>
+        <p:cNvPr id="1" name=""/>
+        <p:cNvGrpSpPr/>
+        <p:nvPr/>
+      </p:nvGrpSpPr>
+      <p:grpSpPr>
+        <a:xfrm>
+          <a:off x="0" y="0"/>
+          <a:ext cx="0" cy="0"/>
+          <a:chOff x="0" y="0"/>
+          <a:chExt cx="0" cy="0"/>
+        </a:xfrm>
+      </p:grpSpPr>
+      <p:sp>
+        <p:nvSpPr>
+          <p:cNvPr id="2" name="Rectangle 1"/>
+          <p:cNvSpPr>
+            <a:spLocks noGrp="1"/>
+          </p:cNvSpPr>
+          <p:nvPr>
+            <p:ph type="title"/>
+          </p:nvPr>
+        </p:nvSpPr>
+        <p:spPr/>
+        <p:txBody>
+          <a:bodyPr>
+            <a:normAutofit/>
+          </a:bodyPr>
+          <a:lstStyle>
+            <a:extLst/>
+          </a:lstStyle>
+          <a:p>
+            <a:r>
+              <a:rPr lang="es-ES" sz="3800" b="1" dirty="0" smtClean="0"/>
               <a:t>CRUD</a:t>
             </a:r>
             <a:r>
@@ -6461,6 +7087,47 @@
           </a:p>
         </p:txBody>
       </p:sp>
+      <p:pic>
+        <p:nvPicPr>
+          <p:cNvPr id="4098" name="Picture 2" descr="https://lacabrerainforma.files.wordpress.com/2015/09/b2rngbliaaafp6.jpg"/>
+          <p:cNvPicPr>
+            <a:picLocks noChangeAspect="1" noChangeArrowheads="1"/>
+          </p:cNvPicPr>
+          <p:nvPr/>
+        </p:nvPicPr>
+        <p:blipFill>
+          <a:blip r:embed="rId3">
+            <a:extLst>
+              <a:ext uri="{28A0092B-C50C-407E-A947-70E740481C1C}">
+                <a14:useLocalDpi xmlns:a14="http://schemas.microsoft.com/office/drawing/2010/main" val="0"/>
+              </a:ext>
+            </a:extLst>
+          </a:blip>
+          <a:srcRect/>
+          <a:stretch>
+            <a:fillRect/>
+          </a:stretch>
+        </p:blipFill>
+        <p:spPr bwMode="auto">
+          <a:xfrm>
+            <a:off x="838200" y="1304925"/>
+            <a:ext cx="7467600" cy="3833369"/>
+          </a:xfrm>
+          <a:prstGeom prst="rect">
+            <a:avLst/>
+          </a:prstGeom>
+          <a:noFill/>
+          <a:extLst>
+            <a:ext uri="{909E8E84-426E-40DD-AFC4-6F175D3DCCD1}">
+              <a14:hiddenFill xmlns:a14="http://schemas.microsoft.com/office/drawing/2010/main">
+                <a:solidFill>
+                  <a:srgbClr val="FFFFFF"/>
+                </a:solidFill>
+              </a14:hiddenFill>
+            </a:ext>
+          </a:extLst>
+        </p:spPr>
+      </p:pic>
     </p:spTree>
     <p:extLst>
       <p:ext uri="{BB962C8B-B14F-4D97-AF65-F5344CB8AC3E}">
@@ -6481,7 +7148,7 @@
 </p:sld>
 </file>
 
-<file path=ppt/slides/slide17.xml><?xml version="1.0" encoding="utf-8"?>
+<file path=ppt/slides/slide19.xml><?xml version="1.0" encoding="utf-8"?>
 <p:sld xmlns:a="http://schemas.openxmlformats.org/drawingml/2006/main" xmlns:r="http://schemas.openxmlformats.org/officeDocument/2006/relationships" xmlns:p="http://schemas.openxmlformats.org/presentationml/2006/main">
   <p:cSld>
     <p:spTree>
